--- a/IesHttpProject.pptx
+++ b/IesHttpProject.pptx
@@ -5,30 +5,32 @@
     <p:sldMasterId id="2147483648" r:id="rId1"/>
   </p:sldMasterIdLst>
   <p:notesMasterIdLst>
-    <p:notesMasterId r:id="rId20"/>
+    <p:notesMasterId r:id="rId22"/>
   </p:notesMasterIdLst>
   <p:handoutMasterIdLst>
-    <p:handoutMasterId r:id="rId21"/>
+    <p:handoutMasterId r:id="rId23"/>
   </p:handoutMasterIdLst>
   <p:sldIdLst>
     <p:sldId id="396" r:id="rId2"/>
     <p:sldId id="400" r:id="rId3"/>
     <p:sldId id="397" r:id="rId4"/>
     <p:sldId id="398" r:id="rId5"/>
-    <p:sldId id="399" r:id="rId6"/>
-    <p:sldId id="404" r:id="rId7"/>
-    <p:sldId id="326" r:id="rId8"/>
-    <p:sldId id="401" r:id="rId9"/>
-    <p:sldId id="405" r:id="rId10"/>
-    <p:sldId id="406" r:id="rId11"/>
-    <p:sldId id="402" r:id="rId12"/>
-    <p:sldId id="403" r:id="rId13"/>
-    <p:sldId id="284" r:id="rId14"/>
-    <p:sldId id="280" r:id="rId15"/>
-    <p:sldId id="343" r:id="rId16"/>
-    <p:sldId id="291" r:id="rId17"/>
-    <p:sldId id="294" r:id="rId18"/>
-    <p:sldId id="371" r:id="rId19"/>
+    <p:sldId id="407" r:id="rId6"/>
+    <p:sldId id="408" r:id="rId7"/>
+    <p:sldId id="399" r:id="rId8"/>
+    <p:sldId id="404" r:id="rId9"/>
+    <p:sldId id="326" r:id="rId10"/>
+    <p:sldId id="401" r:id="rId11"/>
+    <p:sldId id="405" r:id="rId12"/>
+    <p:sldId id="406" r:id="rId13"/>
+    <p:sldId id="402" r:id="rId14"/>
+    <p:sldId id="403" r:id="rId15"/>
+    <p:sldId id="284" r:id="rId16"/>
+    <p:sldId id="280" r:id="rId17"/>
+    <p:sldId id="343" r:id="rId18"/>
+    <p:sldId id="291" r:id="rId19"/>
+    <p:sldId id="294" r:id="rId20"/>
+    <p:sldId id="371" r:id="rId21"/>
   </p:sldIdLst>
   <p:sldSz cx="9144000" cy="6858000" type="screen4x3"/>
   <p:notesSz cx="9872663" cy="6797675"/>
@@ -1530,7 +1532,7 @@
               <a:pPr>
                 <a:defRPr/>
               </a:pPr>
-              <a:t>9</a:t>
+              <a:t>11</a:t>
             </a:fld>
             <a:endParaRPr lang="de-DE"/>
           </a:p>
@@ -1679,7 +1681,7 @@
               <a:pPr>
                 <a:defRPr/>
               </a:pPr>
-              <a:t>14</a:t>
+              <a:t>16</a:t>
             </a:fld>
             <a:endParaRPr lang="de-DE"/>
           </a:p>
@@ -1838,7 +1840,7 @@
               <a:pPr>
                 <a:defRPr/>
               </a:pPr>
-              <a:t>16</a:t>
+              <a:t>18</a:t>
             </a:fld>
             <a:endParaRPr lang="de-DE"/>
           </a:p>
@@ -2047,7 +2049,7 @@
               <a:pPr>
                 <a:defRPr/>
               </a:pPr>
-              <a:t>18</a:t>
+              <a:t>20</a:t>
             </a:fld>
             <a:endParaRPr lang="de-DE"/>
           </a:p>
@@ -2689,24 +2691,7 @@
                 <a:ea typeface="+mn-ea"/>
                 <a:cs typeface="Tahoma" pitchFamily="34" charset="0"/>
               </a:rPr>
-              <a:t> Server  </a:t>
-            </a:r>
-            <a:r>
-              <a:rPr kumimoji="0" lang="de-DE" sz="1000" b="0" i="0" u="none" strike="noStrike" kern="1200" cap="none" spc="0" normalizeH="0" baseline="0" noProof="0" dirty="0" smtClean="0">
-                <a:ln>
-                  <a:noFill/>
-                </a:ln>
-                <a:solidFill>
-                  <a:schemeClr val="tx1"/>
-                </a:solidFill>
-                <a:effectLst/>
-                <a:uLnTx/>
-                <a:uFillTx/>
-                <a:latin typeface="Arial" charset="0"/>
-                <a:ea typeface="+mn-ea"/>
-                <a:cs typeface="Tahoma" pitchFamily="34" charset="0"/>
-              </a:rPr>
-              <a:t>|</a:t>
+              <a:t> Server  |</a:t>
             </a:r>
             <a:r>
               <a:rPr kumimoji="0" lang="de-DE" sz="1000" b="0" i="0" u="none" strike="noStrike" kern="1200" cap="none" spc="0" normalizeH="0" baseline="0" noProof="0" dirty="0" smtClean="0">
@@ -2774,58 +2759,7 @@
                 <a:ea typeface="+mn-ea"/>
                 <a:cs typeface="Tahoma" pitchFamily="34" charset="0"/>
               </a:rPr>
-              <a:t>|  </a:t>
-            </a:r>
-            <a:r>
-              <a:rPr kumimoji="0" lang="de-DE" sz="1000" b="0" i="0" u="none" strike="noStrike" kern="1200" cap="none" spc="0" normalizeH="0" baseline="0" noProof="0" dirty="0" smtClean="0">
-                <a:ln>
-                  <a:noFill/>
-                </a:ln>
-                <a:solidFill>
-                  <a:schemeClr val="tx1"/>
-                </a:solidFill>
-                <a:effectLst/>
-                <a:uLnTx/>
-                <a:uFillTx/>
-                <a:latin typeface="Arial" charset="0"/>
-                <a:ea typeface="+mn-ea"/>
-                <a:cs typeface="Tahoma" pitchFamily="34" charset="0"/>
-              </a:rPr>
-              <a:t>SS 2012  </a:t>
-            </a:r>
-            <a:r>
-              <a:rPr kumimoji="0" lang="de-DE" sz="1000" b="0" i="0" u="none" strike="noStrike" kern="1200" cap="none" spc="0" normalizeH="0" baseline="0" noProof="0" dirty="0" smtClean="0">
-                <a:ln>
-                  <a:noFill/>
-                </a:ln>
-                <a:solidFill>
-                  <a:schemeClr val="tx1"/>
-                </a:solidFill>
-                <a:effectLst/>
-                <a:uLnTx/>
-                <a:uFillTx/>
-                <a:latin typeface="Arial" charset="0"/>
-                <a:ea typeface="+mn-ea"/>
-                <a:cs typeface="Tahoma" pitchFamily="34" charset="0"/>
-              </a:rPr>
-              <a:t>|  </a:t>
-            </a:r>
-            <a:r>
-              <a:rPr kumimoji="0" lang="de-DE" sz="1000" b="0" i="0" u="none" strike="noStrike" kern="1200" cap="none" spc="0" normalizeH="0" baseline="0" noProof="0" dirty="0" smtClean="0">
-                <a:ln>
-                  <a:noFill/>
-                </a:ln>
-                <a:solidFill>
-                  <a:schemeClr val="tx1"/>
-                </a:solidFill>
-                <a:effectLst/>
-                <a:uLnTx/>
-                <a:uFillTx/>
-                <a:latin typeface="Arial" charset="0"/>
-                <a:ea typeface="+mn-ea"/>
-                <a:cs typeface="Tahoma" pitchFamily="34" charset="0"/>
-              </a:rPr>
-              <a:t>Peter Schuster</a:t>
+              <a:t>|  SS 2012  |  Peter Schuster</a:t>
             </a:r>
             <a:endParaRPr kumimoji="0" lang="de-DE" sz="1000" b="0" i="0" u="none" strike="noStrike" kern="1200" cap="none" spc="0" normalizeH="0" baseline="0" noProof="0" dirty="0">
               <a:ln>
@@ -5859,6 +5793,399 @@
       </p:grpSpPr>
       <p:sp>
         <p:nvSpPr>
+          <p:cNvPr id="4" name="Titel 3"/>
+          <p:cNvSpPr>
+            <a:spLocks noGrp="1"/>
+          </p:cNvSpPr>
+          <p:nvPr>
+            <p:ph type="title"/>
+          </p:nvPr>
+        </p:nvSpPr>
+        <p:spPr>
+          <a:xfrm>
+            <a:off x="850845" y="4113076"/>
+            <a:ext cx="7609587" cy="613809"/>
+          </a:xfrm>
+        </p:spPr>
+        <p:txBody>
+          <a:bodyPr/>
+          <a:lstStyle/>
+          <a:p>
+            <a:r>
+              <a:rPr lang="en-US" dirty="0" smtClean="0"/>
+              <a:t>Hardware Architecture</a:t>
+            </a:r>
+            <a:endParaRPr lang="en-US" dirty="0"/>
+          </a:p>
+        </p:txBody>
+      </p:sp>
+      <p:sp>
+        <p:nvSpPr>
+          <p:cNvPr id="8" name="Rechteck 7"/>
+          <p:cNvSpPr/>
+          <p:nvPr/>
+        </p:nvSpPr>
+        <p:spPr>
+          <a:xfrm>
+            <a:off x="776604" y="4709209"/>
+            <a:ext cx="4932040" cy="1528103"/>
+          </a:xfrm>
+          <a:prstGeom prst="rect">
+            <a:avLst/>
+          </a:prstGeom>
+        </p:spPr>
+        <p:txBody>
+          <a:bodyPr anchor="t" anchorCtr="0">
+            <a:noAutofit/>
+          </a:bodyPr>
+          <a:lstStyle/>
+          <a:p>
+            <a:pPr>
+              <a:spcBef>
+                <a:spcPts val="600"/>
+              </a:spcBef>
+              <a:spcAft>
+                <a:spcPts val="0"/>
+              </a:spcAft>
+            </a:pPr>
+            <a:r>
+              <a:rPr lang="en-US" sz="2000" dirty="0" smtClean="0">
+                <a:solidFill>
+                  <a:schemeClr val="tx1">
+                    <a:lumMod val="50000"/>
+                    <a:lumOff val="50000"/>
+                  </a:schemeClr>
+                </a:solidFill>
+              </a:rPr>
+              <a:t>Software</a:t>
+            </a:r>
+          </a:p>
+          <a:p>
+            <a:pPr>
+              <a:spcBef>
+                <a:spcPts val="600"/>
+              </a:spcBef>
+              <a:spcAft>
+                <a:spcPts val="0"/>
+              </a:spcAft>
+            </a:pPr>
+            <a:r>
+              <a:rPr lang="en-US" sz="2000" dirty="0" smtClean="0">
+                <a:solidFill>
+                  <a:schemeClr val="tx1">
+                    <a:lumMod val="50000"/>
+                    <a:lumOff val="50000"/>
+                  </a:schemeClr>
+                </a:solidFill>
+              </a:rPr>
+              <a:t>Conclusion</a:t>
+            </a:r>
+            <a:endParaRPr lang="en-US" sz="500" dirty="0">
+              <a:solidFill>
+                <a:srgbClr val="000000">
+                  <a:lumMod val="50000"/>
+                  <a:lumOff val="50000"/>
+                </a:srgbClr>
+              </a:solidFill>
+            </a:endParaRPr>
+          </a:p>
+        </p:txBody>
+      </p:sp>
+      <p:sp>
+        <p:nvSpPr>
+          <p:cNvPr id="5" name="Rechteck 4"/>
+          <p:cNvSpPr/>
+          <p:nvPr/>
+        </p:nvSpPr>
+        <p:spPr>
+          <a:xfrm>
+            <a:off x="776604" y="2611452"/>
+            <a:ext cx="4932040" cy="1528103"/>
+          </a:xfrm>
+          <a:prstGeom prst="rect">
+            <a:avLst/>
+          </a:prstGeom>
+        </p:spPr>
+        <p:txBody>
+          <a:bodyPr anchor="b" anchorCtr="0">
+            <a:noAutofit/>
+          </a:bodyPr>
+          <a:lstStyle/>
+          <a:p>
+            <a:pPr>
+              <a:spcBef>
+                <a:spcPts val="600"/>
+              </a:spcBef>
+              <a:spcAft>
+                <a:spcPts val="0"/>
+              </a:spcAft>
+            </a:pPr>
+            <a:r>
+              <a:rPr lang="en-US" sz="2000" dirty="0" smtClean="0">
+                <a:solidFill>
+                  <a:schemeClr val="tx1">
+                    <a:lumMod val="50000"/>
+                    <a:lumOff val="50000"/>
+                  </a:schemeClr>
+                </a:solidFill>
+              </a:rPr>
+              <a:t>Project Context</a:t>
+            </a:r>
+          </a:p>
+          <a:p>
+            <a:pPr>
+              <a:spcBef>
+                <a:spcPts val="600"/>
+              </a:spcBef>
+              <a:spcAft>
+                <a:spcPts val="0"/>
+              </a:spcAft>
+            </a:pPr>
+            <a:r>
+              <a:rPr lang="en-US" sz="2000" dirty="0" smtClean="0">
+                <a:solidFill>
+                  <a:schemeClr val="tx1">
+                    <a:lumMod val="50000"/>
+                    <a:lumOff val="50000"/>
+                  </a:schemeClr>
+                </a:solidFill>
+              </a:rPr>
+              <a:t>System Requirements</a:t>
+            </a:r>
+            <a:endParaRPr lang="en-US" sz="500" dirty="0">
+              <a:solidFill>
+                <a:srgbClr val="000000">
+                  <a:lumMod val="50000"/>
+                  <a:lumOff val="50000"/>
+                </a:srgbClr>
+              </a:solidFill>
+            </a:endParaRPr>
+          </a:p>
+        </p:txBody>
+      </p:sp>
+    </p:spTree>
+    <p:extLst>
+      <p:ext uri="{BB962C8B-B14F-4D97-AF65-F5344CB8AC3E}">
+        <p14:creationId xmlns:p14="http://schemas.microsoft.com/office/powerpoint/2010/main" val="3809413671"/>
+      </p:ext>
+    </p:extLst>
+  </p:cSld>
+  <p:clrMapOvr>
+    <a:masterClrMapping/>
+  </p:clrMapOvr>
+  <p:timing>
+    <p:tnLst>
+      <p:par>
+        <p:cTn id="1" dur="indefinite" restart="never" nodeType="tmRoot"/>
+      </p:par>
+    </p:tnLst>
+  </p:timing>
+</p:sld>
+</file>
+
+<file path=ppt/slides/slide11.xml><?xml version="1.0" encoding="utf-8"?>
+<p:sld xmlns:a="http://schemas.openxmlformats.org/drawingml/2006/main" xmlns:r="http://schemas.openxmlformats.org/officeDocument/2006/relationships" xmlns:p="http://schemas.openxmlformats.org/presentationml/2006/main">
+  <p:cSld>
+    <p:spTree>
+      <p:nvGrpSpPr>
+        <p:cNvPr id="1" name=""/>
+        <p:cNvGrpSpPr/>
+        <p:nvPr/>
+      </p:nvGrpSpPr>
+      <p:grpSpPr>
+        <a:xfrm>
+          <a:off x="0" y="0"/>
+          <a:ext cx="0" cy="0"/>
+          <a:chOff x="0" y="0"/>
+          <a:chExt cx="0" cy="0"/>
+        </a:xfrm>
+      </p:grpSpPr>
+      <p:sp>
+        <p:nvSpPr>
+          <p:cNvPr id="4" name="Titel 3"/>
+          <p:cNvSpPr>
+            <a:spLocks noGrp="1"/>
+          </p:cNvSpPr>
+          <p:nvPr>
+            <p:ph type="title"/>
+          </p:nvPr>
+        </p:nvSpPr>
+        <p:spPr/>
+        <p:txBody>
+          <a:bodyPr/>
+          <a:lstStyle/>
+          <a:p>
+            <a:r>
+              <a:rPr lang="de-DE" dirty="0" smtClean="0"/>
+              <a:t>Hardware </a:t>
+            </a:r>
+            <a:r>
+              <a:rPr lang="de-DE" dirty="0" err="1" smtClean="0"/>
+              <a:t>Architecture</a:t>
+            </a:r>
+            <a:endParaRPr lang="de-DE" dirty="0"/>
+          </a:p>
+        </p:txBody>
+      </p:sp>
+      <p:sp>
+        <p:nvSpPr>
+          <p:cNvPr id="8" name="Rechteck 7"/>
+          <p:cNvSpPr/>
+          <p:nvPr/>
+        </p:nvSpPr>
+        <p:spPr>
+          <a:xfrm>
+            <a:off x="648072" y="3140968"/>
+            <a:ext cx="7236296" cy="2340261"/>
+          </a:xfrm>
+          <a:prstGeom prst="rect">
+            <a:avLst/>
+          </a:prstGeom>
+        </p:spPr>
+        <p:txBody>
+          <a:bodyPr anchor="b" anchorCtr="0">
+            <a:noAutofit/>
+          </a:bodyPr>
+          <a:lstStyle/>
+          <a:p>
+            <a:pPr>
+              <a:spcBef>
+                <a:spcPts val="600"/>
+              </a:spcBef>
+              <a:spcAft>
+                <a:spcPts val="0"/>
+              </a:spcAft>
+            </a:pPr>
+            <a:r>
+              <a:rPr lang="de-DE" sz="2400" dirty="0" err="1" smtClean="0"/>
+              <a:t>External</a:t>
+            </a:r>
+            <a:r>
+              <a:rPr lang="de-DE" sz="2400" dirty="0" smtClean="0"/>
+              <a:t> </a:t>
+            </a:r>
+            <a:r>
+              <a:rPr lang="de-DE" sz="2400" dirty="0" err="1" smtClean="0"/>
+              <a:t>Architecture</a:t>
+            </a:r>
+            <a:r>
+              <a:rPr lang="de-DE" sz="2400" dirty="0" smtClean="0"/>
+              <a:t> / </a:t>
+            </a:r>
+            <a:r>
+              <a:rPr lang="de-DE" sz="2400" dirty="0" err="1" smtClean="0"/>
+              <a:t>Processor</a:t>
+            </a:r>
+            <a:endParaRPr lang="de-DE" sz="2400" dirty="0" smtClean="0"/>
+          </a:p>
+          <a:p>
+            <a:pPr>
+              <a:spcBef>
+                <a:spcPts val="600"/>
+              </a:spcBef>
+              <a:spcAft>
+                <a:spcPts val="0"/>
+              </a:spcAft>
+            </a:pPr>
+            <a:r>
+              <a:rPr lang="de-DE" sz="2400" dirty="0" smtClean="0"/>
+              <a:t>Bus </a:t>
+            </a:r>
+            <a:r>
+              <a:rPr lang="de-DE" sz="2400" dirty="0" err="1" smtClean="0"/>
+              <a:t>system</a:t>
+            </a:r>
+            <a:endParaRPr lang="de-DE" sz="2400" dirty="0" smtClean="0"/>
+          </a:p>
+          <a:p>
+            <a:pPr>
+              <a:spcBef>
+                <a:spcPts val="600"/>
+              </a:spcBef>
+              <a:spcAft>
+                <a:spcPts val="0"/>
+              </a:spcAft>
+            </a:pPr>
+            <a:r>
+              <a:rPr lang="de-DE" sz="2400" dirty="0" smtClean="0"/>
+              <a:t>Memory</a:t>
+            </a:r>
+          </a:p>
+          <a:p>
+            <a:pPr>
+              <a:spcBef>
+                <a:spcPts val="600"/>
+              </a:spcBef>
+              <a:spcAft>
+                <a:spcPts val="0"/>
+              </a:spcAft>
+            </a:pPr>
+            <a:r>
+              <a:rPr lang="de-DE" sz="2400" dirty="0" smtClean="0"/>
+              <a:t>Network </a:t>
+            </a:r>
+            <a:r>
+              <a:rPr lang="de-DE" sz="2400" dirty="0" err="1" smtClean="0"/>
+              <a:t>interface</a:t>
+            </a:r>
+            <a:endParaRPr lang="de-DE" sz="2400" dirty="0" smtClean="0"/>
+          </a:p>
+          <a:p>
+            <a:pPr>
+              <a:spcBef>
+                <a:spcPts val="600"/>
+              </a:spcBef>
+              <a:spcAft>
+                <a:spcPts val="0"/>
+              </a:spcAft>
+            </a:pPr>
+            <a:r>
+              <a:rPr lang="de-DE" sz="2400" dirty="0" err="1" smtClean="0"/>
+              <a:t>Clocks</a:t>
+            </a:r>
+            <a:endParaRPr lang="de-DE" sz="2400" dirty="0" smtClean="0"/>
+          </a:p>
+        </p:txBody>
+      </p:sp>
+    </p:spTree>
+    <p:extLst>
+      <p:ext uri="{BB962C8B-B14F-4D97-AF65-F5344CB8AC3E}">
+        <p14:creationId xmlns:p14="http://schemas.microsoft.com/office/powerpoint/2010/main" val="125372444"/>
+      </p:ext>
+    </p:extLst>
+  </p:cSld>
+  <p:clrMapOvr>
+    <a:masterClrMapping/>
+  </p:clrMapOvr>
+  <p:timing>
+    <p:tnLst>
+      <p:par>
+        <p:cTn id="1" dur="indefinite" restart="never" nodeType="tmRoot"/>
+      </p:par>
+    </p:tnLst>
+  </p:timing>
+</p:sld>
+</file>
+
+<file path=ppt/slides/slide12.xml><?xml version="1.0" encoding="utf-8"?>
+<p:sld xmlns:a="http://schemas.openxmlformats.org/drawingml/2006/main" xmlns:r="http://schemas.openxmlformats.org/officeDocument/2006/relationships" xmlns:p="http://schemas.openxmlformats.org/presentationml/2006/main">
+  <p:cSld>
+    <p:spTree>
+      <p:nvGrpSpPr>
+        <p:cNvPr id="1" name=""/>
+        <p:cNvGrpSpPr/>
+        <p:nvPr/>
+      </p:nvGrpSpPr>
+      <p:grpSpPr>
+        <a:xfrm>
+          <a:off x="0" y="0"/>
+          <a:ext cx="0" cy="0"/>
+          <a:chOff x="0" y="0"/>
+          <a:chExt cx="0" cy="0"/>
+        </a:xfrm>
+      </p:grpSpPr>
+      <p:sp>
+        <p:nvSpPr>
           <p:cNvPr id="2" name="Titel 1"/>
           <p:cNvSpPr>
             <a:spLocks noGrp="1"/>
@@ -6331,434 +6658,6 @@
 </p:sld>
 </file>
 
-<file path=ppt/slides/slide11.xml><?xml version="1.0" encoding="utf-8"?>
-<p:sld xmlns:a="http://schemas.openxmlformats.org/drawingml/2006/main" xmlns:r="http://schemas.openxmlformats.org/officeDocument/2006/relationships" xmlns:p="http://schemas.openxmlformats.org/presentationml/2006/main">
-  <p:cSld>
-    <p:spTree>
-      <p:nvGrpSpPr>
-        <p:cNvPr id="1" name=""/>
-        <p:cNvGrpSpPr/>
-        <p:nvPr/>
-      </p:nvGrpSpPr>
-      <p:grpSpPr>
-        <a:xfrm>
-          <a:off x="0" y="0"/>
-          <a:ext cx="0" cy="0"/>
-          <a:chOff x="0" y="0"/>
-          <a:chExt cx="0" cy="0"/>
-        </a:xfrm>
-      </p:grpSpPr>
-      <p:sp>
-        <p:nvSpPr>
-          <p:cNvPr id="4" name="Titel 3"/>
-          <p:cNvSpPr>
-            <a:spLocks noGrp="1"/>
-          </p:cNvSpPr>
-          <p:nvPr>
-            <p:ph type="title"/>
-          </p:nvPr>
-        </p:nvSpPr>
-        <p:spPr>
-          <a:xfrm>
-            <a:off x="850845" y="4113076"/>
-            <a:ext cx="7609587" cy="613809"/>
-          </a:xfrm>
-        </p:spPr>
-        <p:txBody>
-          <a:bodyPr/>
-          <a:lstStyle/>
-          <a:p>
-            <a:r>
-              <a:rPr lang="en-US" dirty="0" smtClean="0"/>
-              <a:t>Software</a:t>
-            </a:r>
-            <a:endParaRPr lang="en-US" dirty="0"/>
-          </a:p>
-        </p:txBody>
-      </p:sp>
-      <p:sp>
-        <p:nvSpPr>
-          <p:cNvPr id="8" name="Rechteck 7"/>
-          <p:cNvSpPr/>
-          <p:nvPr/>
-        </p:nvSpPr>
-        <p:spPr>
-          <a:xfrm>
-            <a:off x="776604" y="4709209"/>
-            <a:ext cx="4932040" cy="1528103"/>
-          </a:xfrm>
-          <a:prstGeom prst="rect">
-            <a:avLst/>
-          </a:prstGeom>
-        </p:spPr>
-        <p:txBody>
-          <a:bodyPr anchor="t" anchorCtr="0">
-            <a:noAutofit/>
-          </a:bodyPr>
-          <a:lstStyle/>
-          <a:p>
-            <a:pPr>
-              <a:spcBef>
-                <a:spcPts val="600"/>
-              </a:spcBef>
-              <a:spcAft>
-                <a:spcPts val="0"/>
-              </a:spcAft>
-            </a:pPr>
-            <a:r>
-              <a:rPr lang="en-US" sz="2000" dirty="0" smtClean="0">
-                <a:solidFill>
-                  <a:schemeClr val="tx1">
-                    <a:lumMod val="50000"/>
-                    <a:lumOff val="50000"/>
-                  </a:schemeClr>
-                </a:solidFill>
-              </a:rPr>
-              <a:t>Conclusion</a:t>
-            </a:r>
-            <a:endParaRPr lang="en-US" sz="500" dirty="0">
-              <a:solidFill>
-                <a:srgbClr val="000000">
-                  <a:lumMod val="50000"/>
-                  <a:lumOff val="50000"/>
-                </a:srgbClr>
-              </a:solidFill>
-            </a:endParaRPr>
-          </a:p>
-        </p:txBody>
-      </p:sp>
-      <p:sp>
-        <p:nvSpPr>
-          <p:cNvPr id="5" name="Rechteck 4"/>
-          <p:cNvSpPr/>
-          <p:nvPr/>
-        </p:nvSpPr>
-        <p:spPr>
-          <a:xfrm>
-            <a:off x="776604" y="2611452"/>
-            <a:ext cx="4932040" cy="1528103"/>
-          </a:xfrm>
-          <a:prstGeom prst="rect">
-            <a:avLst/>
-          </a:prstGeom>
-        </p:spPr>
-        <p:txBody>
-          <a:bodyPr anchor="b" anchorCtr="0">
-            <a:noAutofit/>
-          </a:bodyPr>
-          <a:lstStyle/>
-          <a:p>
-            <a:pPr>
-              <a:spcBef>
-                <a:spcPts val="600"/>
-              </a:spcBef>
-              <a:spcAft>
-                <a:spcPts val="0"/>
-              </a:spcAft>
-            </a:pPr>
-            <a:r>
-              <a:rPr lang="en-US" sz="2000" dirty="0" smtClean="0">
-                <a:solidFill>
-                  <a:schemeClr val="tx1">
-                    <a:lumMod val="50000"/>
-                    <a:lumOff val="50000"/>
-                  </a:schemeClr>
-                </a:solidFill>
-              </a:rPr>
-              <a:t>Project Context</a:t>
-            </a:r>
-          </a:p>
-          <a:p>
-            <a:pPr>
-              <a:spcBef>
-                <a:spcPts val="600"/>
-              </a:spcBef>
-              <a:spcAft>
-                <a:spcPts val="0"/>
-              </a:spcAft>
-            </a:pPr>
-            <a:r>
-              <a:rPr lang="en-US" sz="2000" dirty="0" smtClean="0">
-                <a:solidFill>
-                  <a:schemeClr val="tx1">
-                    <a:lumMod val="50000"/>
-                    <a:lumOff val="50000"/>
-                  </a:schemeClr>
-                </a:solidFill>
-              </a:rPr>
-              <a:t>System Requirements</a:t>
-            </a:r>
-          </a:p>
-          <a:p>
-            <a:pPr>
-              <a:spcBef>
-                <a:spcPts val="600"/>
-              </a:spcBef>
-              <a:spcAft>
-                <a:spcPts val="0"/>
-              </a:spcAft>
-            </a:pPr>
-            <a:r>
-              <a:rPr lang="en-US" sz="2000" dirty="0" smtClean="0">
-                <a:solidFill>
-                  <a:schemeClr val="tx1">
-                    <a:lumMod val="50000"/>
-                    <a:lumOff val="50000"/>
-                  </a:schemeClr>
-                </a:solidFill>
-              </a:rPr>
-              <a:t>Hardware Architecture</a:t>
-            </a:r>
-            <a:endParaRPr lang="en-US" sz="2000" dirty="0">
-              <a:solidFill>
-                <a:schemeClr val="tx1">
-                  <a:lumMod val="50000"/>
-                  <a:lumOff val="50000"/>
-                </a:schemeClr>
-              </a:solidFill>
-            </a:endParaRPr>
-          </a:p>
-        </p:txBody>
-      </p:sp>
-    </p:spTree>
-    <p:extLst>
-      <p:ext uri="{BB962C8B-B14F-4D97-AF65-F5344CB8AC3E}">
-        <p14:creationId xmlns:p14="http://schemas.microsoft.com/office/powerpoint/2010/main" val="1600815376"/>
-      </p:ext>
-    </p:extLst>
-  </p:cSld>
-  <p:clrMapOvr>
-    <a:masterClrMapping/>
-  </p:clrMapOvr>
-  <p:timing>
-    <p:tnLst>
-      <p:par>
-        <p:cTn id="1" dur="indefinite" restart="never" nodeType="tmRoot"/>
-      </p:par>
-    </p:tnLst>
-  </p:timing>
-</p:sld>
-</file>
-
-<file path=ppt/slides/slide12.xml><?xml version="1.0" encoding="utf-8"?>
-<p:sld xmlns:a="http://schemas.openxmlformats.org/drawingml/2006/main" xmlns:r="http://schemas.openxmlformats.org/officeDocument/2006/relationships" xmlns:p="http://schemas.openxmlformats.org/presentationml/2006/main">
-  <p:cSld>
-    <p:spTree>
-      <p:nvGrpSpPr>
-        <p:cNvPr id="1" name=""/>
-        <p:cNvGrpSpPr/>
-        <p:nvPr/>
-      </p:nvGrpSpPr>
-      <p:grpSpPr>
-        <a:xfrm>
-          <a:off x="0" y="0"/>
-          <a:ext cx="0" cy="0"/>
-          <a:chOff x="0" y="0"/>
-          <a:chExt cx="0" cy="0"/>
-        </a:xfrm>
-      </p:grpSpPr>
-      <p:sp>
-        <p:nvSpPr>
-          <p:cNvPr id="4" name="Titel 3"/>
-          <p:cNvSpPr>
-            <a:spLocks noGrp="1"/>
-          </p:cNvSpPr>
-          <p:nvPr>
-            <p:ph type="title"/>
-          </p:nvPr>
-        </p:nvSpPr>
-        <p:spPr>
-          <a:xfrm>
-            <a:off x="850845" y="4113076"/>
-            <a:ext cx="7609587" cy="613809"/>
-          </a:xfrm>
-        </p:spPr>
-        <p:txBody>
-          <a:bodyPr/>
-          <a:lstStyle/>
-          <a:p>
-            <a:r>
-              <a:rPr lang="en-US" dirty="0" smtClean="0"/>
-              <a:t>Conclusion</a:t>
-            </a:r>
-            <a:endParaRPr lang="en-US" dirty="0"/>
-          </a:p>
-        </p:txBody>
-      </p:sp>
-      <p:sp>
-        <p:nvSpPr>
-          <p:cNvPr id="8" name="Rechteck 7"/>
-          <p:cNvSpPr/>
-          <p:nvPr/>
-        </p:nvSpPr>
-        <p:spPr>
-          <a:xfrm>
-            <a:off x="776604" y="4709209"/>
-            <a:ext cx="4932040" cy="1528103"/>
-          </a:xfrm>
-          <a:prstGeom prst="rect">
-            <a:avLst/>
-          </a:prstGeom>
-        </p:spPr>
-        <p:txBody>
-          <a:bodyPr anchor="t" anchorCtr="0">
-            <a:noAutofit/>
-          </a:bodyPr>
-          <a:lstStyle/>
-          <a:p>
-            <a:pPr>
-              <a:spcBef>
-                <a:spcPts val="600"/>
-              </a:spcBef>
-              <a:spcAft>
-                <a:spcPts val="0"/>
-              </a:spcAft>
-            </a:pPr>
-            <a:endParaRPr lang="en-US" sz="500" dirty="0">
-              <a:solidFill>
-                <a:srgbClr val="000000">
-                  <a:lumMod val="50000"/>
-                  <a:lumOff val="50000"/>
-                </a:srgbClr>
-              </a:solidFill>
-            </a:endParaRPr>
-          </a:p>
-        </p:txBody>
-      </p:sp>
-      <p:sp>
-        <p:nvSpPr>
-          <p:cNvPr id="5" name="Rechteck 4"/>
-          <p:cNvSpPr/>
-          <p:nvPr/>
-        </p:nvSpPr>
-        <p:spPr>
-          <a:xfrm>
-            <a:off x="776604" y="2611452"/>
-            <a:ext cx="4932040" cy="1528103"/>
-          </a:xfrm>
-          <a:prstGeom prst="rect">
-            <a:avLst/>
-          </a:prstGeom>
-        </p:spPr>
-        <p:txBody>
-          <a:bodyPr anchor="b" anchorCtr="0">
-            <a:noAutofit/>
-          </a:bodyPr>
-          <a:lstStyle/>
-          <a:p>
-            <a:pPr>
-              <a:spcBef>
-                <a:spcPts val="600"/>
-              </a:spcBef>
-              <a:spcAft>
-                <a:spcPts val="0"/>
-              </a:spcAft>
-            </a:pPr>
-            <a:r>
-              <a:rPr lang="en-US" sz="2000" dirty="0" smtClean="0">
-                <a:solidFill>
-                  <a:schemeClr val="tx1">
-                    <a:lumMod val="50000"/>
-                    <a:lumOff val="50000"/>
-                  </a:schemeClr>
-                </a:solidFill>
-              </a:rPr>
-              <a:t>Project Context</a:t>
-            </a:r>
-          </a:p>
-          <a:p>
-            <a:pPr>
-              <a:spcBef>
-                <a:spcPts val="600"/>
-              </a:spcBef>
-              <a:spcAft>
-                <a:spcPts val="0"/>
-              </a:spcAft>
-            </a:pPr>
-            <a:r>
-              <a:rPr lang="en-US" sz="2000" dirty="0" smtClean="0">
-                <a:solidFill>
-                  <a:schemeClr val="tx1">
-                    <a:lumMod val="50000"/>
-                    <a:lumOff val="50000"/>
-                  </a:schemeClr>
-                </a:solidFill>
-              </a:rPr>
-              <a:t>System Requirements</a:t>
-            </a:r>
-          </a:p>
-          <a:p>
-            <a:pPr>
-              <a:spcBef>
-                <a:spcPts val="600"/>
-              </a:spcBef>
-              <a:spcAft>
-                <a:spcPts val="0"/>
-              </a:spcAft>
-            </a:pPr>
-            <a:r>
-              <a:rPr lang="en-US" sz="2000" dirty="0" smtClean="0">
-                <a:solidFill>
-                  <a:schemeClr val="tx1">
-                    <a:lumMod val="50000"/>
-                    <a:lumOff val="50000"/>
-                  </a:schemeClr>
-                </a:solidFill>
-              </a:rPr>
-              <a:t>Hardware Architecture</a:t>
-            </a:r>
-          </a:p>
-          <a:p>
-            <a:pPr>
-              <a:spcBef>
-                <a:spcPts val="600"/>
-              </a:spcBef>
-              <a:spcAft>
-                <a:spcPts val="0"/>
-              </a:spcAft>
-            </a:pPr>
-            <a:r>
-              <a:rPr lang="en-US" sz="2000" dirty="0" smtClean="0">
-                <a:solidFill>
-                  <a:schemeClr val="tx1">
-                    <a:lumMod val="50000"/>
-                    <a:lumOff val="50000"/>
-                  </a:schemeClr>
-                </a:solidFill>
-              </a:rPr>
-              <a:t>Software</a:t>
-            </a:r>
-            <a:endParaRPr lang="en-US" sz="2000" dirty="0">
-              <a:solidFill>
-                <a:schemeClr val="tx1">
-                  <a:lumMod val="50000"/>
-                  <a:lumOff val="50000"/>
-                </a:schemeClr>
-              </a:solidFill>
-            </a:endParaRPr>
-          </a:p>
-        </p:txBody>
-      </p:sp>
-    </p:spTree>
-    <p:extLst>
-      <p:ext uri="{BB962C8B-B14F-4D97-AF65-F5344CB8AC3E}">
-        <p14:creationId xmlns:p14="http://schemas.microsoft.com/office/powerpoint/2010/main" val="2796241967"/>
-      </p:ext>
-    </p:extLst>
-  </p:cSld>
-  <p:clrMapOvr>
-    <a:masterClrMapping/>
-  </p:clrMapOvr>
-  <p:timing>
-    <p:tnLst>
-      <p:par>
-        <p:cTn id="1" dur="indefinite" restart="never" nodeType="tmRoot"/>
-      </p:par>
-    </p:tnLst>
-  </p:timing>
-</p:sld>
-</file>
-
 <file path=ppt/slides/slide13.xml><?xml version="1.0" encoding="utf-8"?>
 <p:sld xmlns:a="http://schemas.openxmlformats.org/drawingml/2006/main" xmlns:r="http://schemas.openxmlformats.org/officeDocument/2006/relationships" xmlns:p="http://schemas.openxmlformats.org/presentationml/2006/main">
   <p:cSld>
@@ -6786,73 +6685,172 @@
             <p:ph type="title"/>
           </p:nvPr>
         </p:nvSpPr>
-        <p:spPr/>
+        <p:spPr>
+          <a:xfrm>
+            <a:off x="850845" y="4113076"/>
+            <a:ext cx="7609587" cy="613809"/>
+          </a:xfrm>
+        </p:spPr>
         <p:txBody>
           <a:bodyPr/>
           <a:lstStyle/>
           <a:p>
             <a:r>
-              <a:rPr lang="de-DE" dirty="0" err="1" smtClean="0"/>
-              <a:t>Thank</a:t>
-            </a:r>
-            <a:r>
-              <a:rPr lang="de-DE" dirty="0" smtClean="0"/>
-              <a:t> </a:t>
-            </a:r>
-            <a:r>
-              <a:rPr lang="de-DE" dirty="0" err="1" smtClean="0"/>
-              <a:t>you</a:t>
-            </a:r>
-            <a:r>
-              <a:rPr lang="de-DE" dirty="0" smtClean="0"/>
-              <a:t> </a:t>
-            </a:r>
-            <a:r>
-              <a:rPr lang="de-DE" dirty="0" err="1" smtClean="0"/>
-              <a:t>for</a:t>
-            </a:r>
-            <a:r>
-              <a:rPr lang="de-DE" dirty="0" smtClean="0"/>
-              <a:t> </a:t>
-            </a:r>
-            <a:br>
-              <a:rPr lang="de-DE" dirty="0" smtClean="0"/>
-            </a:br>
-            <a:r>
-              <a:rPr lang="de-DE" dirty="0" err="1" smtClean="0"/>
-              <a:t>your</a:t>
-            </a:r>
-            <a:r>
-              <a:rPr lang="de-DE" dirty="0" smtClean="0"/>
-              <a:t> Attention!</a:t>
-            </a:r>
-            <a:endParaRPr lang="de-DE" dirty="0"/>
-          </a:p>
-        </p:txBody>
-      </p:sp>
-      <p:sp>
-        <p:nvSpPr>
-          <p:cNvPr id="5" name="Textplatzhalter 4"/>
-          <p:cNvSpPr>
-            <a:spLocks noGrp="1"/>
-          </p:cNvSpPr>
-          <p:nvPr>
-            <p:ph type="body" idx="1"/>
-          </p:nvPr>
-        </p:nvSpPr>
-        <p:spPr/>
-        <p:txBody>
-          <a:bodyPr/>
+              <a:rPr lang="en-US" dirty="0" smtClean="0"/>
+              <a:t>Software</a:t>
+            </a:r>
+            <a:endParaRPr lang="en-US" dirty="0"/>
+          </a:p>
+        </p:txBody>
+      </p:sp>
+      <p:sp>
+        <p:nvSpPr>
+          <p:cNvPr id="8" name="Rechteck 7"/>
+          <p:cNvSpPr/>
+          <p:nvPr/>
+        </p:nvSpPr>
+        <p:spPr>
+          <a:xfrm>
+            <a:off x="776604" y="4709209"/>
+            <a:ext cx="4932040" cy="1528103"/>
+          </a:xfrm>
+          <a:prstGeom prst="rect">
+            <a:avLst/>
+          </a:prstGeom>
+        </p:spPr>
+        <p:txBody>
+          <a:bodyPr anchor="t" anchorCtr="0">
+            <a:noAutofit/>
+          </a:bodyPr>
           <a:lstStyle/>
           <a:p>
-            <a:endParaRPr lang="de-DE" dirty="0"/>
+            <a:pPr>
+              <a:spcBef>
+                <a:spcPts val="600"/>
+              </a:spcBef>
+              <a:spcAft>
+                <a:spcPts val="0"/>
+              </a:spcAft>
+            </a:pPr>
+            <a:r>
+              <a:rPr lang="en-US" sz="2000" dirty="0" smtClean="0">
+                <a:solidFill>
+                  <a:schemeClr val="tx1">
+                    <a:lumMod val="50000"/>
+                    <a:lumOff val="50000"/>
+                  </a:schemeClr>
+                </a:solidFill>
+              </a:rPr>
+              <a:t>Conclusion</a:t>
+            </a:r>
+            <a:endParaRPr lang="en-US" sz="500" dirty="0">
+              <a:solidFill>
+                <a:srgbClr val="000000">
+                  <a:lumMod val="50000"/>
+                  <a:lumOff val="50000"/>
+                </a:srgbClr>
+              </a:solidFill>
+            </a:endParaRPr>
+          </a:p>
+        </p:txBody>
+      </p:sp>
+      <p:sp>
+        <p:nvSpPr>
+          <p:cNvPr id="5" name="Rechteck 4"/>
+          <p:cNvSpPr/>
+          <p:nvPr/>
+        </p:nvSpPr>
+        <p:spPr>
+          <a:xfrm>
+            <a:off x="776604" y="2611452"/>
+            <a:ext cx="4932040" cy="1528103"/>
+          </a:xfrm>
+          <a:prstGeom prst="rect">
+            <a:avLst/>
+          </a:prstGeom>
+        </p:spPr>
+        <p:txBody>
+          <a:bodyPr anchor="b" anchorCtr="0">
+            <a:noAutofit/>
+          </a:bodyPr>
+          <a:lstStyle/>
+          <a:p>
+            <a:pPr>
+              <a:spcBef>
+                <a:spcPts val="600"/>
+              </a:spcBef>
+              <a:spcAft>
+                <a:spcPts val="0"/>
+              </a:spcAft>
+            </a:pPr>
+            <a:r>
+              <a:rPr lang="en-US" sz="2000" dirty="0" smtClean="0">
+                <a:solidFill>
+                  <a:schemeClr val="tx1">
+                    <a:lumMod val="50000"/>
+                    <a:lumOff val="50000"/>
+                  </a:schemeClr>
+                </a:solidFill>
+              </a:rPr>
+              <a:t>Project Context</a:t>
+            </a:r>
+          </a:p>
+          <a:p>
+            <a:pPr>
+              <a:spcBef>
+                <a:spcPts val="600"/>
+              </a:spcBef>
+              <a:spcAft>
+                <a:spcPts val="0"/>
+              </a:spcAft>
+            </a:pPr>
+            <a:r>
+              <a:rPr lang="en-US" sz="2000" dirty="0" smtClean="0">
+                <a:solidFill>
+                  <a:schemeClr val="tx1">
+                    <a:lumMod val="50000"/>
+                    <a:lumOff val="50000"/>
+                  </a:schemeClr>
+                </a:solidFill>
+              </a:rPr>
+              <a:t>System Requirements</a:t>
+            </a:r>
+          </a:p>
+          <a:p>
+            <a:pPr>
+              <a:spcBef>
+                <a:spcPts val="600"/>
+              </a:spcBef>
+              <a:spcAft>
+                <a:spcPts val="0"/>
+              </a:spcAft>
+            </a:pPr>
+            <a:r>
+              <a:rPr lang="en-US" sz="2000" dirty="0" smtClean="0">
+                <a:solidFill>
+                  <a:schemeClr val="tx1">
+                    <a:lumMod val="50000"/>
+                    <a:lumOff val="50000"/>
+                  </a:schemeClr>
+                </a:solidFill>
+              </a:rPr>
+              <a:t>Hardware Architecture</a:t>
+            </a:r>
+            <a:endParaRPr lang="en-US" sz="2000" dirty="0">
+              <a:solidFill>
+                <a:schemeClr val="tx1">
+                  <a:lumMod val="50000"/>
+                  <a:lumOff val="50000"/>
+                </a:schemeClr>
+              </a:solidFill>
+            </a:endParaRPr>
           </a:p>
         </p:txBody>
       </p:sp>
     </p:spTree>
     <p:extLst>
       <p:ext uri="{BB962C8B-B14F-4D97-AF65-F5344CB8AC3E}">
-        <p14:creationId xmlns:p14="http://schemas.microsoft.com/office/powerpoint/2010/main" val="2040479803"/>
+        <p14:creationId xmlns:p14="http://schemas.microsoft.com/office/powerpoint/2010/main" val="1600815376"/>
       </p:ext>
     </p:extLst>
   </p:cSld>
@@ -6888,7 +6886,7 @@
       </p:grpSpPr>
       <p:sp>
         <p:nvSpPr>
-          <p:cNvPr id="5" name="Titel 4"/>
+          <p:cNvPr id="4" name="Titel 3"/>
           <p:cNvSpPr>
             <a:spLocks noGrp="1"/>
           </p:cNvSpPr>
@@ -6896,48 +6894,184 @@
             <p:ph type="title"/>
           </p:nvPr>
         </p:nvSpPr>
-        <p:spPr/>
+        <p:spPr>
+          <a:xfrm>
+            <a:off x="850845" y="4113076"/>
+            <a:ext cx="7609587" cy="613809"/>
+          </a:xfrm>
+        </p:spPr>
         <p:txBody>
           <a:bodyPr/>
           <a:lstStyle/>
           <a:p>
+            <a:r>
+              <a:rPr lang="en-US" dirty="0" smtClean="0"/>
+              <a:t>Conclusion</a:t>
+            </a:r>
+            <a:endParaRPr lang="en-US" dirty="0"/>
+          </a:p>
+        </p:txBody>
+      </p:sp>
+      <p:sp>
+        <p:nvSpPr>
+          <p:cNvPr id="8" name="Rechteck 7"/>
+          <p:cNvSpPr/>
+          <p:nvPr/>
+        </p:nvSpPr>
+        <p:spPr>
+          <a:xfrm>
+            <a:off x="776604" y="4709209"/>
+            <a:ext cx="4932040" cy="1528103"/>
+          </a:xfrm>
+          <a:prstGeom prst="rect">
+            <a:avLst/>
+          </a:prstGeom>
+        </p:spPr>
+        <p:txBody>
+          <a:bodyPr anchor="t" anchorCtr="0">
+            <a:noAutofit/>
+          </a:bodyPr>
+          <a:lstStyle/>
+          <a:p>
             <a:pPr>
-              <a:defRPr/>
+              <a:spcBef>
+                <a:spcPts val="600"/>
+              </a:spcBef>
+              <a:spcAft>
+                <a:spcPts val="0"/>
+              </a:spcAft>
             </a:pPr>
-            <a:r>
-              <a:rPr lang="de-DE" dirty="0" err="1" smtClean="0"/>
-              <a:t>Questions</a:t>
-            </a:r>
-            <a:r>
-              <a:rPr lang="de-DE" dirty="0" smtClean="0"/>
-              <a:t>?</a:t>
-            </a:r>
-            <a:endParaRPr lang="de-DE" dirty="0"/>
-          </a:p>
-        </p:txBody>
-      </p:sp>
-      <p:sp>
-        <p:nvSpPr>
-          <p:cNvPr id="13315" name="Textplatzhalter 5"/>
-          <p:cNvSpPr>
-            <a:spLocks noGrp="1"/>
-          </p:cNvSpPr>
-          <p:nvPr>
-            <p:ph type="body" idx="1"/>
-          </p:nvPr>
-        </p:nvSpPr>
-        <p:spPr/>
-        <p:txBody>
-          <a:bodyPr/>
+            <a:endParaRPr lang="en-US" sz="500" dirty="0">
+              <a:solidFill>
+                <a:srgbClr val="000000">
+                  <a:lumMod val="50000"/>
+                  <a:lumOff val="50000"/>
+                </a:srgbClr>
+              </a:solidFill>
+            </a:endParaRPr>
+          </a:p>
+        </p:txBody>
+      </p:sp>
+      <p:sp>
+        <p:nvSpPr>
+          <p:cNvPr id="5" name="Rechteck 4"/>
+          <p:cNvSpPr/>
+          <p:nvPr/>
+        </p:nvSpPr>
+        <p:spPr>
+          <a:xfrm>
+            <a:off x="776604" y="2611452"/>
+            <a:ext cx="4932040" cy="1528103"/>
+          </a:xfrm>
+          <a:prstGeom prst="rect">
+            <a:avLst/>
+          </a:prstGeom>
+        </p:spPr>
+        <p:txBody>
+          <a:bodyPr anchor="b" anchorCtr="0">
+            <a:noAutofit/>
+          </a:bodyPr>
           <a:lstStyle/>
           <a:p>
-            <a:endParaRPr lang="de-DE" smtClean="0">
-              <a:ea typeface="ヒラギノ角ゴ Pro W3" charset="-128"/>
+            <a:pPr>
+              <a:spcBef>
+                <a:spcPts val="600"/>
+              </a:spcBef>
+              <a:spcAft>
+                <a:spcPts val="0"/>
+              </a:spcAft>
+            </a:pPr>
+            <a:r>
+              <a:rPr lang="en-US" sz="2000" dirty="0" smtClean="0">
+                <a:solidFill>
+                  <a:schemeClr val="tx1">
+                    <a:lumMod val="50000"/>
+                    <a:lumOff val="50000"/>
+                  </a:schemeClr>
+                </a:solidFill>
+              </a:rPr>
+              <a:t>Project Context</a:t>
+            </a:r>
+          </a:p>
+          <a:p>
+            <a:pPr>
+              <a:spcBef>
+                <a:spcPts val="600"/>
+              </a:spcBef>
+              <a:spcAft>
+                <a:spcPts val="0"/>
+              </a:spcAft>
+            </a:pPr>
+            <a:r>
+              <a:rPr lang="en-US" sz="2000" dirty="0" smtClean="0">
+                <a:solidFill>
+                  <a:schemeClr val="tx1">
+                    <a:lumMod val="50000"/>
+                    <a:lumOff val="50000"/>
+                  </a:schemeClr>
+                </a:solidFill>
+              </a:rPr>
+              <a:t>System Requirements</a:t>
+            </a:r>
+          </a:p>
+          <a:p>
+            <a:pPr>
+              <a:spcBef>
+                <a:spcPts val="600"/>
+              </a:spcBef>
+              <a:spcAft>
+                <a:spcPts val="0"/>
+              </a:spcAft>
+            </a:pPr>
+            <a:r>
+              <a:rPr lang="en-US" sz="2000" dirty="0" smtClean="0">
+                <a:solidFill>
+                  <a:schemeClr val="tx1">
+                    <a:lumMod val="50000"/>
+                    <a:lumOff val="50000"/>
+                  </a:schemeClr>
+                </a:solidFill>
+              </a:rPr>
+              <a:t>Hardware Architecture</a:t>
+            </a:r>
+          </a:p>
+          <a:p>
+            <a:pPr>
+              <a:spcBef>
+                <a:spcPts val="600"/>
+              </a:spcBef>
+              <a:spcAft>
+                <a:spcPts val="0"/>
+              </a:spcAft>
+            </a:pPr>
+            <a:r>
+              <a:rPr lang="en-US" sz="2000" dirty="0" smtClean="0">
+                <a:solidFill>
+                  <a:schemeClr val="tx1">
+                    <a:lumMod val="50000"/>
+                    <a:lumOff val="50000"/>
+                  </a:schemeClr>
+                </a:solidFill>
+              </a:rPr>
+              <a:t>Software</a:t>
+            </a:r>
+            <a:endParaRPr lang="en-US" sz="2000" dirty="0">
+              <a:solidFill>
+                <a:schemeClr val="tx1">
+                  <a:lumMod val="50000"/>
+                  <a:lumOff val="50000"/>
+                </a:schemeClr>
+              </a:solidFill>
             </a:endParaRPr>
           </a:p>
         </p:txBody>
       </p:sp>
     </p:spTree>
+    <p:extLst>
+      <p:ext uri="{BB962C8B-B14F-4D97-AF65-F5344CB8AC3E}">
+        <p14:creationId xmlns:p14="http://schemas.microsoft.com/office/powerpoint/2010/main" val="2796241967"/>
+      </p:ext>
+    </p:extLst>
   </p:cSld>
   <p:clrMapOvr>
     <a:masterClrMapping/>
@@ -6953,16 +7087,8 @@
 </file>
 
 <file path=ppt/slides/slide15.xml><?xml version="1.0" encoding="utf-8"?>
-<p:sld xmlns:a="http://schemas.openxmlformats.org/drawingml/2006/main" xmlns:r="http://schemas.openxmlformats.org/officeDocument/2006/relationships" xmlns:p="http://schemas.openxmlformats.org/presentationml/2006/main" showMasterSp="0">
+<p:sld xmlns:a="http://schemas.openxmlformats.org/drawingml/2006/main" xmlns:r="http://schemas.openxmlformats.org/officeDocument/2006/relationships" xmlns:p="http://schemas.openxmlformats.org/presentationml/2006/main">
   <p:cSld>
-    <p:bg>
-      <p:bgPr>
-        <a:solidFill>
-          <a:schemeClr val="tx1"/>
-        </a:solidFill>
-        <a:effectLst/>
-      </p:bgPr>
-    </p:bg>
     <p:spTree>
       <p:nvGrpSpPr>
         <p:cNvPr id="1" name=""/>
@@ -6979,7 +7105,7 @@
       </p:grpSpPr>
       <p:sp>
         <p:nvSpPr>
-          <p:cNvPr id="2" name="Titel 1"/>
+          <p:cNvPr id="4" name="Titel 3"/>
           <p:cNvSpPr>
             <a:spLocks noGrp="1"/>
           </p:cNvSpPr>
@@ -6992,13 +7118,48 @@
           <a:bodyPr/>
           <a:lstStyle/>
           <a:p>
-            <a:endParaRPr lang="de-DE"/>
-          </a:p>
-        </p:txBody>
-      </p:sp>
-      <p:sp>
-        <p:nvSpPr>
-          <p:cNvPr id="3" name="Textplatzhalter 2"/>
+            <a:r>
+              <a:rPr lang="de-DE" dirty="0" err="1" smtClean="0"/>
+              <a:t>Thank</a:t>
+            </a:r>
+            <a:r>
+              <a:rPr lang="de-DE" dirty="0" smtClean="0"/>
+              <a:t> </a:t>
+            </a:r>
+            <a:r>
+              <a:rPr lang="de-DE" dirty="0" err="1" smtClean="0"/>
+              <a:t>you</a:t>
+            </a:r>
+            <a:r>
+              <a:rPr lang="de-DE" dirty="0" smtClean="0"/>
+              <a:t> </a:t>
+            </a:r>
+            <a:r>
+              <a:rPr lang="de-DE" dirty="0" err="1" smtClean="0"/>
+              <a:t>for</a:t>
+            </a:r>
+            <a:r>
+              <a:rPr lang="de-DE" dirty="0" smtClean="0"/>
+              <a:t> </a:t>
+            </a:r>
+            <a:br>
+              <a:rPr lang="de-DE" dirty="0" smtClean="0"/>
+            </a:br>
+            <a:r>
+              <a:rPr lang="de-DE" dirty="0" err="1" smtClean="0"/>
+              <a:t>your</a:t>
+            </a:r>
+            <a:r>
+              <a:rPr lang="de-DE" dirty="0" smtClean="0"/>
+              <a:t> Attention!</a:t>
+            </a:r>
+            <a:endParaRPr lang="de-DE" dirty="0"/>
+          </a:p>
+        </p:txBody>
+      </p:sp>
+      <p:sp>
+        <p:nvSpPr>
+          <p:cNvPr id="5" name="Textplatzhalter 4"/>
           <p:cNvSpPr>
             <a:spLocks noGrp="1"/>
           </p:cNvSpPr>
@@ -7011,14 +7172,14 @@
           <a:bodyPr/>
           <a:lstStyle/>
           <a:p>
-            <a:endParaRPr lang="de-DE"/>
+            <a:endParaRPr lang="de-DE" dirty="0"/>
           </a:p>
         </p:txBody>
       </p:sp>
     </p:spTree>
     <p:extLst>
       <p:ext uri="{BB962C8B-B14F-4D97-AF65-F5344CB8AC3E}">
-        <p14:creationId xmlns:p14="http://schemas.microsoft.com/office/powerpoint/2010/main" val="4150423938"/>
+        <p14:creationId xmlns:p14="http://schemas.microsoft.com/office/powerpoint/2010/main" val="2040479803"/>
       </p:ext>
     </p:extLst>
   </p:cSld>
@@ -7054,7 +7215,7 @@
       </p:grpSpPr>
       <p:sp>
         <p:nvSpPr>
-          <p:cNvPr id="4" name="Titel 3"/>
+          <p:cNvPr id="5" name="Titel 4"/>
           <p:cNvSpPr>
             <a:spLocks noGrp="1"/>
           </p:cNvSpPr>
@@ -7067,9 +7228,16 @@
           <a:bodyPr/>
           <a:lstStyle/>
           <a:p>
+            <a:pPr>
+              <a:defRPr/>
+            </a:pPr>
+            <a:r>
+              <a:rPr lang="de-DE" dirty="0" err="1" smtClean="0"/>
+              <a:t>Questions</a:t>
+            </a:r>
             <a:r>
               <a:rPr lang="de-DE" dirty="0" smtClean="0"/>
-              <a:t>Architektur-Modelle</a:t>
+              <a:t>?</a:t>
             </a:r>
             <a:endParaRPr lang="de-DE" dirty="0"/>
           </a:p>
@@ -7077,90 +7245,26 @@
       </p:sp>
       <p:sp>
         <p:nvSpPr>
-          <p:cNvPr id="8" name="Rechteck 7"/>
-          <p:cNvSpPr/>
-          <p:nvPr/>
-        </p:nvSpPr>
-        <p:spPr>
-          <a:xfrm>
-            <a:off x="648072" y="3465005"/>
-            <a:ext cx="7236296" cy="2016224"/>
-          </a:xfrm>
-          <a:prstGeom prst="rect">
-            <a:avLst/>
-          </a:prstGeom>
-        </p:spPr>
-        <p:txBody>
-          <a:bodyPr anchor="b" anchorCtr="0">
-            <a:noAutofit/>
-          </a:bodyPr>
+          <p:cNvPr id="13315" name="Textplatzhalter 5"/>
+          <p:cNvSpPr>
+            <a:spLocks noGrp="1"/>
+          </p:cNvSpPr>
+          <p:nvPr>
+            <p:ph type="body" idx="1"/>
+          </p:nvPr>
+        </p:nvSpPr>
+        <p:spPr/>
+        <p:txBody>
+          <a:bodyPr/>
           <a:lstStyle/>
           <a:p>
-            <a:pPr>
-              <a:spcBef>
-                <a:spcPts val="600"/>
-              </a:spcBef>
-              <a:spcAft>
-                <a:spcPts val="0"/>
-              </a:spcAft>
-            </a:pPr>
-            <a:r>
-              <a:rPr lang="de-DE" sz="2400" dirty="0" smtClean="0"/>
-              <a:t>Flip-Flop-Designs</a:t>
-            </a:r>
-          </a:p>
-          <a:p>
-            <a:pPr>
-              <a:spcBef>
-                <a:spcPts val="600"/>
-              </a:spcBef>
-              <a:spcAft>
-                <a:spcPts val="0"/>
-              </a:spcAft>
-            </a:pPr>
-            <a:r>
-              <a:rPr lang="de-DE" sz="2400" dirty="0" smtClean="0"/>
-              <a:t>Zwei-Phasen-</a:t>
-            </a:r>
-            <a:r>
-              <a:rPr lang="de-DE" sz="2400" dirty="0" err="1" smtClean="0"/>
-              <a:t>Latch</a:t>
-            </a:r>
-            <a:r>
-              <a:rPr lang="de-DE" sz="2400" dirty="0" smtClean="0"/>
-              <a:t>-Designs</a:t>
-            </a:r>
-          </a:p>
-          <a:p>
-            <a:pPr>
-              <a:spcBef>
-                <a:spcPts val="600"/>
-              </a:spcBef>
-              <a:spcAft>
-                <a:spcPts val="0"/>
-              </a:spcAft>
-            </a:pPr>
-            <a:r>
-              <a:rPr lang="de-DE" sz="2400" dirty="0" smtClean="0"/>
-              <a:t>Ein-Phasen-</a:t>
-            </a:r>
-            <a:r>
-              <a:rPr lang="de-DE" sz="2400" dirty="0" err="1" smtClean="0"/>
-              <a:t>Latch</a:t>
-            </a:r>
-            <a:r>
-              <a:rPr lang="de-DE" sz="2400" dirty="0" smtClean="0"/>
-              <a:t>-Designs</a:t>
-            </a:r>
+            <a:endParaRPr lang="de-DE" smtClean="0">
+              <a:ea typeface="ヒラギノ角ゴ Pro W3" charset="-128"/>
+            </a:endParaRPr>
           </a:p>
         </p:txBody>
       </p:sp>
     </p:spTree>
-    <p:extLst>
-      <p:ext uri="{BB962C8B-B14F-4D97-AF65-F5344CB8AC3E}">
-        <p14:creationId xmlns:p14="http://schemas.microsoft.com/office/powerpoint/2010/main" val="2017160291"/>
-      </p:ext>
-    </p:extLst>
   </p:cSld>
   <p:clrMapOvr>
     <a:masterClrMapping/>
@@ -7176,8 +7280,16 @@
 </file>
 
 <file path=ppt/slides/slide17.xml><?xml version="1.0" encoding="utf-8"?>
-<p:sld xmlns:a="http://schemas.openxmlformats.org/drawingml/2006/main" xmlns:r="http://schemas.openxmlformats.org/officeDocument/2006/relationships" xmlns:p="http://schemas.openxmlformats.org/presentationml/2006/main">
+<p:sld xmlns:a="http://schemas.openxmlformats.org/drawingml/2006/main" xmlns:r="http://schemas.openxmlformats.org/officeDocument/2006/relationships" xmlns:p="http://schemas.openxmlformats.org/presentationml/2006/main" showMasterSp="0">
   <p:cSld>
+    <p:bg>
+      <p:bgPr>
+        <a:solidFill>
+          <a:schemeClr val="tx1"/>
+        </a:solidFill>
+        <a:effectLst/>
+      </p:bgPr>
+    </p:bg>
     <p:spTree>
       <p:nvGrpSpPr>
         <p:cNvPr id="1" name=""/>
@@ -7194,7 +7306,7 @@
       </p:grpSpPr>
       <p:sp>
         <p:nvSpPr>
-          <p:cNvPr id="4" name="Titel 3"/>
+          <p:cNvPr id="2" name="Titel 1"/>
           <p:cNvSpPr>
             <a:spLocks noGrp="1"/>
           </p:cNvSpPr>
@@ -7207,140 +7319,33 @@
           <a:bodyPr/>
           <a:lstStyle/>
           <a:p>
-            <a:r>
-              <a:rPr lang="de-DE" dirty="0" smtClean="0"/>
-              <a:t>Architektur-Modelle</a:t>
-            </a:r>
-            <a:endParaRPr lang="de-DE" dirty="0"/>
-          </a:p>
-        </p:txBody>
-      </p:sp>
-      <p:sp>
-        <p:nvSpPr>
-          <p:cNvPr id="8" name="Rechteck 7"/>
-          <p:cNvSpPr/>
-          <p:nvPr/>
-        </p:nvSpPr>
-        <p:spPr>
-          <a:xfrm>
-            <a:off x="648072" y="3465005"/>
-            <a:ext cx="7236296" cy="2016224"/>
-          </a:xfrm>
-          <a:prstGeom prst="rect">
-            <a:avLst/>
-          </a:prstGeom>
-        </p:spPr>
-        <p:txBody>
-          <a:bodyPr anchor="b" anchorCtr="0">
-            <a:noAutofit/>
-          </a:bodyPr>
+            <a:endParaRPr lang="de-DE"/>
+          </a:p>
+        </p:txBody>
+      </p:sp>
+      <p:sp>
+        <p:nvSpPr>
+          <p:cNvPr id="3" name="Textplatzhalter 2"/>
+          <p:cNvSpPr>
+            <a:spLocks noGrp="1"/>
+          </p:cNvSpPr>
+          <p:nvPr>
+            <p:ph type="body" idx="1"/>
+          </p:nvPr>
+        </p:nvSpPr>
+        <p:spPr/>
+        <p:txBody>
+          <a:bodyPr/>
           <a:lstStyle/>
           <a:p>
-            <a:pPr>
-              <a:spcBef>
-                <a:spcPts val="600"/>
-              </a:spcBef>
-              <a:spcAft>
-                <a:spcPts val="0"/>
-              </a:spcAft>
-            </a:pPr>
-            <a:r>
-              <a:rPr lang="de-DE" sz="2400" b="1" dirty="0" smtClean="0"/>
-              <a:t>FLIP-FLOP-DESIGNS</a:t>
-            </a:r>
-          </a:p>
-          <a:p>
-            <a:pPr>
-              <a:spcBef>
-                <a:spcPts val="600"/>
-              </a:spcBef>
-              <a:spcAft>
-                <a:spcPts val="0"/>
-              </a:spcAft>
-            </a:pPr>
-            <a:r>
-              <a:rPr lang="de-DE" sz="2400" dirty="0" smtClean="0">
-                <a:solidFill>
-                  <a:schemeClr val="tx1">
-                    <a:lumMod val="50000"/>
-                    <a:lumOff val="50000"/>
-                  </a:schemeClr>
-                </a:solidFill>
-              </a:rPr>
-              <a:t>Zwei-Phasen-</a:t>
-            </a:r>
-            <a:r>
-              <a:rPr lang="de-DE" sz="2400" dirty="0" err="1" smtClean="0">
-                <a:solidFill>
-                  <a:schemeClr val="tx1">
-                    <a:lumMod val="50000"/>
-                    <a:lumOff val="50000"/>
-                  </a:schemeClr>
-                </a:solidFill>
-              </a:rPr>
-              <a:t>Latch</a:t>
-            </a:r>
-            <a:r>
-              <a:rPr lang="de-DE" sz="2400" dirty="0" smtClean="0">
-                <a:solidFill>
-                  <a:schemeClr val="tx1">
-                    <a:lumMod val="50000"/>
-                    <a:lumOff val="50000"/>
-                  </a:schemeClr>
-                </a:solidFill>
-              </a:rPr>
-              <a:t>-Designs</a:t>
-            </a:r>
-          </a:p>
-          <a:p>
-            <a:pPr>
-              <a:spcBef>
-                <a:spcPts val="600"/>
-              </a:spcBef>
-              <a:spcAft>
-                <a:spcPts val="0"/>
-              </a:spcAft>
-            </a:pPr>
-            <a:r>
-              <a:rPr lang="de-DE" sz="2400" dirty="0" smtClean="0">
-                <a:solidFill>
-                  <a:schemeClr val="tx1">
-                    <a:lumMod val="50000"/>
-                    <a:lumOff val="50000"/>
-                  </a:schemeClr>
-                </a:solidFill>
-              </a:rPr>
-              <a:t>Ein-Phasen-</a:t>
-            </a:r>
-            <a:r>
-              <a:rPr lang="de-DE" sz="2400" dirty="0" err="1" smtClean="0">
-                <a:solidFill>
-                  <a:schemeClr val="tx1">
-                    <a:lumMod val="50000"/>
-                    <a:lumOff val="50000"/>
-                  </a:schemeClr>
-                </a:solidFill>
-              </a:rPr>
-              <a:t>Latch</a:t>
-            </a:r>
-            <a:r>
-              <a:rPr lang="de-DE" sz="2400" dirty="0" smtClean="0">
-                <a:solidFill>
-                  <a:schemeClr val="tx1">
-                    <a:lumMod val="50000"/>
-                    <a:lumOff val="50000"/>
-                  </a:schemeClr>
-                </a:solidFill>
-              </a:rPr>
-              <a:t>-Designs</a:t>
-            </a:r>
+            <a:endParaRPr lang="de-DE"/>
           </a:p>
         </p:txBody>
       </p:sp>
     </p:spTree>
     <p:extLst>
       <p:ext uri="{BB962C8B-B14F-4D97-AF65-F5344CB8AC3E}">
-        <p14:creationId xmlns:p14="http://schemas.microsoft.com/office/powerpoint/2010/main" val="3837695667"/>
+        <p14:creationId xmlns:p14="http://schemas.microsoft.com/office/powerpoint/2010/main" val="4150423938"/>
       </p:ext>
     </p:extLst>
   </p:cSld>
@@ -7376,192 +7381,22 @@
       </p:grpSpPr>
       <p:sp>
         <p:nvSpPr>
-          <p:cNvPr id="7" name="Titel 3"/>
-          <p:cNvSpPr txBox="1">
-            <a:spLocks/>
+          <p:cNvPr id="4" name="Titel 3"/>
+          <p:cNvSpPr>
+            <a:spLocks noGrp="1"/>
           </p:cNvSpPr>
-          <p:nvPr/>
-        </p:nvSpPr>
-        <p:spPr bwMode="auto">
-          <a:xfrm>
-            <a:off x="850845" y="4113076"/>
-            <a:ext cx="7933623" cy="613809"/>
-          </a:xfrm>
-          <a:prstGeom prst="rect">
-            <a:avLst/>
-          </a:prstGeom>
-          <a:noFill/>
-          <a:ln>
-            <a:noFill/>
-          </a:ln>
-          <a:extLst>
-            <a:ext uri="{909E8E84-426E-40DD-AFC4-6F175D3DCCD1}">
-              <a14:hiddenFill xmlns:a14="http://schemas.microsoft.com/office/drawing/2010/main">
-                <a:solidFill>
-                  <a:srgbClr val="FFFFFF"/>
-                </a:solidFill>
-              </a14:hiddenFill>
-            </a:ext>
-            <a:ext uri="{91240B29-F687-4F45-9708-019B960494DF}">
-              <a14:hiddenLine xmlns:a14="http://schemas.microsoft.com/office/drawing/2010/main" w="9525">
-                <a:solidFill>
-                  <a:srgbClr val="000000"/>
-                </a:solidFill>
-                <a:miter lim="800000"/>
-                <a:headEnd/>
-                <a:tailEnd/>
-              </a14:hiddenLine>
-            </a:ext>
-          </a:extLst>
-        </p:spPr>
-        <p:txBody>
-          <a:bodyPr vert="horz" wrap="square" lIns="0" tIns="0" rIns="0" bIns="0" numCol="1" anchor="t" anchorCtr="0" compatLnSpc="1">
-            <a:prstTxWarp prst="textNoShape">
-              <a:avLst/>
-            </a:prstTxWarp>
-          </a:bodyPr>
-          <a:lstStyle>
-            <a:lvl1pPr algn="l" rtl="0" eaLnBrk="0" fontAlgn="base" hangingPunct="0">
-              <a:spcBef>
-                <a:spcPct val="0"/>
-              </a:spcBef>
-              <a:spcAft>
-                <a:spcPct val="0"/>
-              </a:spcAft>
-              <a:defRPr sz="4000" b="1" cap="all">
-                <a:solidFill>
-                  <a:schemeClr val="tx1"/>
-                </a:solidFill>
-                <a:latin typeface="+mj-lt"/>
-                <a:ea typeface="ヒラギノ角ゴ Pro W3" pitchFamily="-112" charset="-128"/>
-                <a:cs typeface="ヒラギノ角ゴ Pro W3" pitchFamily="-112" charset="-128"/>
-              </a:defRPr>
-            </a:lvl1pPr>
-            <a:lvl2pPr algn="l" rtl="0" eaLnBrk="0" fontAlgn="base" hangingPunct="0">
-              <a:spcBef>
-                <a:spcPct val="0"/>
-              </a:spcBef>
-              <a:spcAft>
-                <a:spcPct val="0"/>
-              </a:spcAft>
-              <a:defRPr sz="2400" b="1">
-                <a:solidFill>
-                  <a:schemeClr val="tx1"/>
-                </a:solidFill>
-                <a:latin typeface="Arial" charset="0"/>
-                <a:ea typeface="ヒラギノ角ゴ Pro W3" pitchFamily="-112" charset="-128"/>
-                <a:cs typeface="ヒラギノ角ゴ Pro W3" pitchFamily="-112" charset="-128"/>
-              </a:defRPr>
-            </a:lvl2pPr>
-            <a:lvl3pPr algn="l" rtl="0" eaLnBrk="0" fontAlgn="base" hangingPunct="0">
-              <a:spcBef>
-                <a:spcPct val="0"/>
-              </a:spcBef>
-              <a:spcAft>
-                <a:spcPct val="0"/>
-              </a:spcAft>
-              <a:defRPr sz="2400" b="1">
-                <a:solidFill>
-                  <a:schemeClr val="tx1"/>
-                </a:solidFill>
-                <a:latin typeface="Arial" charset="0"/>
-                <a:ea typeface="ヒラギノ角ゴ Pro W3" pitchFamily="-112" charset="-128"/>
-                <a:cs typeface="ヒラギノ角ゴ Pro W3" pitchFamily="-112" charset="-128"/>
-              </a:defRPr>
-            </a:lvl3pPr>
-            <a:lvl4pPr algn="l" rtl="0" eaLnBrk="0" fontAlgn="base" hangingPunct="0">
-              <a:spcBef>
-                <a:spcPct val="0"/>
-              </a:spcBef>
-              <a:spcAft>
-                <a:spcPct val="0"/>
-              </a:spcAft>
-              <a:defRPr sz="2400" b="1">
-                <a:solidFill>
-                  <a:schemeClr val="tx1"/>
-                </a:solidFill>
-                <a:latin typeface="Arial" charset="0"/>
-                <a:ea typeface="ヒラギノ角ゴ Pro W3" pitchFamily="-112" charset="-128"/>
-                <a:cs typeface="ヒラギノ角ゴ Pro W3" pitchFamily="-112" charset="-128"/>
-              </a:defRPr>
-            </a:lvl4pPr>
-            <a:lvl5pPr algn="l" rtl="0" eaLnBrk="0" fontAlgn="base" hangingPunct="0">
-              <a:spcBef>
-                <a:spcPct val="0"/>
-              </a:spcBef>
-              <a:spcAft>
-                <a:spcPct val="0"/>
-              </a:spcAft>
-              <a:defRPr sz="2400" b="1">
-                <a:solidFill>
-                  <a:schemeClr val="tx1"/>
-                </a:solidFill>
-                <a:latin typeface="Arial" charset="0"/>
-                <a:ea typeface="ヒラギノ角ゴ Pro W3" pitchFamily="-112" charset="-128"/>
-                <a:cs typeface="ヒラギノ角ゴ Pro W3" pitchFamily="-112" charset="-128"/>
-              </a:defRPr>
-            </a:lvl5pPr>
-            <a:lvl6pPr marL="457200" algn="l" rtl="0" fontAlgn="base">
-              <a:spcBef>
-                <a:spcPct val="0"/>
-              </a:spcBef>
-              <a:spcAft>
-                <a:spcPct val="0"/>
-              </a:spcAft>
-              <a:defRPr sz="2400" b="1">
-                <a:solidFill>
-                  <a:schemeClr val="tx1"/>
-                </a:solidFill>
-                <a:latin typeface="Arial" charset="0"/>
-              </a:defRPr>
-            </a:lvl6pPr>
-            <a:lvl7pPr marL="914400" algn="l" rtl="0" fontAlgn="base">
-              <a:spcBef>
-                <a:spcPct val="0"/>
-              </a:spcBef>
-              <a:spcAft>
-                <a:spcPct val="0"/>
-              </a:spcAft>
-              <a:defRPr sz="2400" b="1">
-                <a:solidFill>
-                  <a:schemeClr val="tx1"/>
-                </a:solidFill>
-                <a:latin typeface="Arial" charset="0"/>
-              </a:defRPr>
-            </a:lvl7pPr>
-            <a:lvl8pPr marL="1371600" algn="l" rtl="0" fontAlgn="base">
-              <a:spcBef>
-                <a:spcPct val="0"/>
-              </a:spcBef>
-              <a:spcAft>
-                <a:spcPct val="0"/>
-              </a:spcAft>
-              <a:defRPr sz="2400" b="1">
-                <a:solidFill>
-                  <a:schemeClr val="tx1"/>
-                </a:solidFill>
-                <a:latin typeface="Arial" charset="0"/>
-              </a:defRPr>
-            </a:lvl8pPr>
-            <a:lvl9pPr marL="1828800" algn="l" rtl="0" fontAlgn="base">
-              <a:spcBef>
-                <a:spcPct val="0"/>
-              </a:spcBef>
-              <a:spcAft>
-                <a:spcPct val="0"/>
-              </a:spcAft>
-              <a:defRPr sz="2400" b="1">
-                <a:solidFill>
-                  <a:schemeClr val="tx1"/>
-                </a:solidFill>
-                <a:latin typeface="Arial" charset="0"/>
-              </a:defRPr>
-            </a:lvl9pPr>
-          </a:lstStyle>
+          <p:nvPr>
+            <p:ph type="title"/>
+          </p:nvPr>
+        </p:nvSpPr>
+        <p:spPr/>
+        <p:txBody>
+          <a:bodyPr/>
+          <a:lstStyle/>
           <a:p>
             <a:r>
               <a:rPr lang="de-DE" dirty="0" smtClean="0"/>
-              <a:t>FAZIT</a:t>
+              <a:t>Architektur-Modelle</a:t>
             </a:r>
             <a:endParaRPr lang="de-DE" dirty="0"/>
           </a:p>
@@ -7569,14 +7404,14 @@
       </p:sp>
       <p:sp>
         <p:nvSpPr>
-          <p:cNvPr id="10" name="Rechteck 9"/>
+          <p:cNvPr id="8" name="Rechteck 7"/>
           <p:cNvSpPr/>
           <p:nvPr/>
         </p:nvSpPr>
         <p:spPr>
           <a:xfrm>
-            <a:off x="776604" y="2744924"/>
-            <a:ext cx="4932040" cy="1336022"/>
+            <a:off x="648072" y="3465005"/>
+            <a:ext cx="7236296" cy="2016224"/>
           </a:xfrm>
           <a:prstGeom prst="rect">
             <a:avLst/>
@@ -7597,15 +7432,8 @@
               </a:spcAft>
             </a:pPr>
             <a:r>
-              <a:rPr lang="de-DE" sz="2000" dirty="0" smtClean="0">
-                <a:solidFill>
-                  <a:schemeClr val="tx1">
-                    <a:lumMod val="50000"/>
-                    <a:lumOff val="50000"/>
-                  </a:schemeClr>
-                </a:solidFill>
-              </a:rPr>
-              <a:t>Einleitung</a:t>
+              <a:rPr lang="de-DE" sz="2400" dirty="0" smtClean="0"/>
+              <a:t>Flip-Flop-Designs</a:t>
             </a:r>
           </a:p>
           <a:p>
@@ -7618,15 +7446,16 @@
               </a:spcAft>
             </a:pPr>
             <a:r>
-              <a:rPr lang="de-DE" sz="2000" dirty="0" smtClean="0">
-                <a:solidFill>
-                  <a:schemeClr val="tx1">
-                    <a:lumMod val="50000"/>
-                    <a:lumOff val="50000"/>
-                  </a:schemeClr>
-                </a:solidFill>
-              </a:rPr>
-              <a:t>Architektur-Modelle</a:t>
+              <a:rPr lang="de-DE" sz="2400" dirty="0" smtClean="0"/>
+              <a:t>Zwei-Phasen-</a:t>
+            </a:r>
+            <a:r>
+              <a:rPr lang="de-DE" sz="2400" dirty="0" err="1" smtClean="0"/>
+              <a:t>Latch</a:t>
+            </a:r>
+            <a:r>
+              <a:rPr lang="de-DE" sz="2400" dirty="0" smtClean="0"/>
+              <a:t>-Designs</a:t>
             </a:r>
           </a:p>
           <a:p>
@@ -7639,7 +7468,125 @@
               </a:spcAft>
             </a:pPr>
             <a:r>
-              <a:rPr lang="de-DE" sz="2000" dirty="0" smtClean="0">
+              <a:rPr lang="de-DE" sz="2400" dirty="0" smtClean="0"/>
+              <a:t>Ein-Phasen-</a:t>
+            </a:r>
+            <a:r>
+              <a:rPr lang="de-DE" sz="2400" dirty="0" err="1" smtClean="0"/>
+              <a:t>Latch</a:t>
+            </a:r>
+            <a:r>
+              <a:rPr lang="de-DE" sz="2400" dirty="0" smtClean="0"/>
+              <a:t>-Designs</a:t>
+            </a:r>
+          </a:p>
+        </p:txBody>
+      </p:sp>
+    </p:spTree>
+    <p:extLst>
+      <p:ext uri="{BB962C8B-B14F-4D97-AF65-F5344CB8AC3E}">
+        <p14:creationId xmlns:p14="http://schemas.microsoft.com/office/powerpoint/2010/main" val="2017160291"/>
+      </p:ext>
+    </p:extLst>
+  </p:cSld>
+  <p:clrMapOvr>
+    <a:masterClrMapping/>
+  </p:clrMapOvr>
+  <p:timing>
+    <p:tnLst>
+      <p:par>
+        <p:cTn id="1" dur="indefinite" restart="never" nodeType="tmRoot"/>
+      </p:par>
+    </p:tnLst>
+  </p:timing>
+</p:sld>
+</file>
+
+<file path=ppt/slides/slide19.xml><?xml version="1.0" encoding="utf-8"?>
+<p:sld xmlns:a="http://schemas.openxmlformats.org/drawingml/2006/main" xmlns:r="http://schemas.openxmlformats.org/officeDocument/2006/relationships" xmlns:p="http://schemas.openxmlformats.org/presentationml/2006/main">
+  <p:cSld>
+    <p:spTree>
+      <p:nvGrpSpPr>
+        <p:cNvPr id="1" name=""/>
+        <p:cNvGrpSpPr/>
+        <p:nvPr/>
+      </p:nvGrpSpPr>
+      <p:grpSpPr>
+        <a:xfrm>
+          <a:off x="0" y="0"/>
+          <a:ext cx="0" cy="0"/>
+          <a:chOff x="0" y="0"/>
+          <a:chExt cx="0" cy="0"/>
+        </a:xfrm>
+      </p:grpSpPr>
+      <p:sp>
+        <p:nvSpPr>
+          <p:cNvPr id="4" name="Titel 3"/>
+          <p:cNvSpPr>
+            <a:spLocks noGrp="1"/>
+          </p:cNvSpPr>
+          <p:nvPr>
+            <p:ph type="title"/>
+          </p:nvPr>
+        </p:nvSpPr>
+        <p:spPr/>
+        <p:txBody>
+          <a:bodyPr/>
+          <a:lstStyle/>
+          <a:p>
+            <a:r>
+              <a:rPr lang="de-DE" dirty="0" smtClean="0"/>
+              <a:t>Architektur-Modelle</a:t>
+            </a:r>
+            <a:endParaRPr lang="de-DE" dirty="0"/>
+          </a:p>
+        </p:txBody>
+      </p:sp>
+      <p:sp>
+        <p:nvSpPr>
+          <p:cNvPr id="8" name="Rechteck 7"/>
+          <p:cNvSpPr/>
+          <p:nvPr/>
+        </p:nvSpPr>
+        <p:spPr>
+          <a:xfrm>
+            <a:off x="648072" y="3465005"/>
+            <a:ext cx="7236296" cy="2016224"/>
+          </a:xfrm>
+          <a:prstGeom prst="rect">
+            <a:avLst/>
+          </a:prstGeom>
+        </p:spPr>
+        <p:txBody>
+          <a:bodyPr anchor="b" anchorCtr="0">
+            <a:noAutofit/>
+          </a:bodyPr>
+          <a:lstStyle/>
+          <a:p>
+            <a:pPr>
+              <a:spcBef>
+                <a:spcPts val="600"/>
+              </a:spcBef>
+              <a:spcAft>
+                <a:spcPts val="0"/>
+              </a:spcAft>
+            </a:pPr>
+            <a:r>
+              <a:rPr lang="de-DE" sz="2400" b="1" dirty="0" smtClean="0"/>
+              <a:t>FLIP-FLOP-DESIGNS</a:t>
+            </a:r>
+          </a:p>
+          <a:p>
+            <a:pPr>
+              <a:spcBef>
+                <a:spcPts val="600"/>
+              </a:spcBef>
+              <a:spcAft>
+                <a:spcPts val="0"/>
+              </a:spcAft>
+            </a:pPr>
+            <a:r>
+              <a:rPr lang="de-DE" sz="2400" dirty="0" smtClean="0">
                 <a:solidFill>
                   <a:schemeClr val="tx1">
                     <a:lumMod val="50000"/>
@@ -7647,23 +7594,80 @@
                   </a:schemeClr>
                 </a:solidFill>
               </a:rPr>
-              <a:t>Weiterführende Konzepte</a:t>
-            </a:r>
-            <a:endParaRPr lang="de-DE" sz="500" dirty="0">
-              <a:solidFill>
-                <a:srgbClr val="000000">
-                  <a:lumMod val="50000"/>
-                  <a:lumOff val="50000"/>
-                </a:srgbClr>
-              </a:solidFill>
-            </a:endParaRPr>
+              <a:t>Zwei-Phasen-</a:t>
+            </a:r>
+            <a:r>
+              <a:rPr lang="de-DE" sz="2400" dirty="0" err="1" smtClean="0">
+                <a:solidFill>
+                  <a:schemeClr val="tx1">
+                    <a:lumMod val="50000"/>
+                    <a:lumOff val="50000"/>
+                  </a:schemeClr>
+                </a:solidFill>
+              </a:rPr>
+              <a:t>Latch</a:t>
+            </a:r>
+            <a:r>
+              <a:rPr lang="de-DE" sz="2400" dirty="0" smtClean="0">
+                <a:solidFill>
+                  <a:schemeClr val="tx1">
+                    <a:lumMod val="50000"/>
+                    <a:lumOff val="50000"/>
+                  </a:schemeClr>
+                </a:solidFill>
+              </a:rPr>
+              <a:t>-Designs</a:t>
+            </a:r>
+          </a:p>
+          <a:p>
+            <a:pPr>
+              <a:spcBef>
+                <a:spcPts val="600"/>
+              </a:spcBef>
+              <a:spcAft>
+                <a:spcPts val="0"/>
+              </a:spcAft>
+            </a:pPr>
+            <a:r>
+              <a:rPr lang="de-DE" sz="2400" dirty="0" smtClean="0">
+                <a:solidFill>
+                  <a:schemeClr val="tx1">
+                    <a:lumMod val="50000"/>
+                    <a:lumOff val="50000"/>
+                  </a:schemeClr>
+                </a:solidFill>
+              </a:rPr>
+              <a:t>Ein-Phasen-</a:t>
+            </a:r>
+            <a:r>
+              <a:rPr lang="de-DE" sz="2400" dirty="0" err="1" smtClean="0">
+                <a:solidFill>
+                  <a:schemeClr val="tx1">
+                    <a:lumMod val="50000"/>
+                    <a:lumOff val="50000"/>
+                  </a:schemeClr>
+                </a:solidFill>
+              </a:rPr>
+              <a:t>Latch</a:t>
+            </a:r>
+            <a:r>
+              <a:rPr lang="de-DE" sz="2400" dirty="0" smtClean="0">
+                <a:solidFill>
+                  <a:schemeClr val="tx1">
+                    <a:lumMod val="50000"/>
+                    <a:lumOff val="50000"/>
+                  </a:schemeClr>
+                </a:solidFill>
+              </a:rPr>
+              <a:t>-Designs</a:t>
+            </a:r>
           </a:p>
         </p:txBody>
       </p:sp>
     </p:spTree>
     <p:extLst>
       <p:ext uri="{BB962C8B-B14F-4D97-AF65-F5344CB8AC3E}">
-        <p14:creationId xmlns:p14="http://schemas.microsoft.com/office/powerpoint/2010/main" val="1139414897"/>
+        <p14:creationId xmlns:p14="http://schemas.microsoft.com/office/powerpoint/2010/main" val="3837695667"/>
       </p:ext>
     </p:extLst>
   </p:cSld>
@@ -8881,6 +8885,329 @@
 </p:sld>
 </file>
 
+<file path=ppt/slides/slide20.xml><?xml version="1.0" encoding="utf-8"?>
+<p:sld xmlns:a="http://schemas.openxmlformats.org/drawingml/2006/main" xmlns:r="http://schemas.openxmlformats.org/officeDocument/2006/relationships" xmlns:p="http://schemas.openxmlformats.org/presentationml/2006/main">
+  <p:cSld>
+    <p:spTree>
+      <p:nvGrpSpPr>
+        <p:cNvPr id="1" name=""/>
+        <p:cNvGrpSpPr/>
+        <p:nvPr/>
+      </p:nvGrpSpPr>
+      <p:grpSpPr>
+        <a:xfrm>
+          <a:off x="0" y="0"/>
+          <a:ext cx="0" cy="0"/>
+          <a:chOff x="0" y="0"/>
+          <a:chExt cx="0" cy="0"/>
+        </a:xfrm>
+      </p:grpSpPr>
+      <p:sp>
+        <p:nvSpPr>
+          <p:cNvPr id="7" name="Titel 3"/>
+          <p:cNvSpPr txBox="1">
+            <a:spLocks/>
+          </p:cNvSpPr>
+          <p:nvPr/>
+        </p:nvSpPr>
+        <p:spPr bwMode="auto">
+          <a:xfrm>
+            <a:off x="850845" y="4113076"/>
+            <a:ext cx="7933623" cy="613809"/>
+          </a:xfrm>
+          <a:prstGeom prst="rect">
+            <a:avLst/>
+          </a:prstGeom>
+          <a:noFill/>
+          <a:ln>
+            <a:noFill/>
+          </a:ln>
+          <a:extLst>
+            <a:ext uri="{909E8E84-426E-40DD-AFC4-6F175D3DCCD1}">
+              <a14:hiddenFill xmlns:a14="http://schemas.microsoft.com/office/drawing/2010/main">
+                <a:solidFill>
+                  <a:srgbClr val="FFFFFF"/>
+                </a:solidFill>
+              </a14:hiddenFill>
+            </a:ext>
+            <a:ext uri="{91240B29-F687-4F45-9708-019B960494DF}">
+              <a14:hiddenLine xmlns:a14="http://schemas.microsoft.com/office/drawing/2010/main" w="9525">
+                <a:solidFill>
+                  <a:srgbClr val="000000"/>
+                </a:solidFill>
+                <a:miter lim="800000"/>
+                <a:headEnd/>
+                <a:tailEnd/>
+              </a14:hiddenLine>
+            </a:ext>
+          </a:extLst>
+        </p:spPr>
+        <p:txBody>
+          <a:bodyPr vert="horz" wrap="square" lIns="0" tIns="0" rIns="0" bIns="0" numCol="1" anchor="t" anchorCtr="0" compatLnSpc="1">
+            <a:prstTxWarp prst="textNoShape">
+              <a:avLst/>
+            </a:prstTxWarp>
+          </a:bodyPr>
+          <a:lstStyle>
+            <a:lvl1pPr algn="l" rtl="0" eaLnBrk="0" fontAlgn="base" hangingPunct="0">
+              <a:spcBef>
+                <a:spcPct val="0"/>
+              </a:spcBef>
+              <a:spcAft>
+                <a:spcPct val="0"/>
+              </a:spcAft>
+              <a:defRPr sz="4000" b="1" cap="all">
+                <a:solidFill>
+                  <a:schemeClr val="tx1"/>
+                </a:solidFill>
+                <a:latin typeface="+mj-lt"/>
+                <a:ea typeface="ヒラギノ角ゴ Pro W3" pitchFamily="-112" charset="-128"/>
+                <a:cs typeface="ヒラギノ角ゴ Pro W3" pitchFamily="-112" charset="-128"/>
+              </a:defRPr>
+            </a:lvl1pPr>
+            <a:lvl2pPr algn="l" rtl="0" eaLnBrk="0" fontAlgn="base" hangingPunct="0">
+              <a:spcBef>
+                <a:spcPct val="0"/>
+              </a:spcBef>
+              <a:spcAft>
+                <a:spcPct val="0"/>
+              </a:spcAft>
+              <a:defRPr sz="2400" b="1">
+                <a:solidFill>
+                  <a:schemeClr val="tx1"/>
+                </a:solidFill>
+                <a:latin typeface="Arial" charset="0"/>
+                <a:ea typeface="ヒラギノ角ゴ Pro W3" pitchFamily="-112" charset="-128"/>
+                <a:cs typeface="ヒラギノ角ゴ Pro W3" pitchFamily="-112" charset="-128"/>
+              </a:defRPr>
+            </a:lvl2pPr>
+            <a:lvl3pPr algn="l" rtl="0" eaLnBrk="0" fontAlgn="base" hangingPunct="0">
+              <a:spcBef>
+                <a:spcPct val="0"/>
+              </a:spcBef>
+              <a:spcAft>
+                <a:spcPct val="0"/>
+              </a:spcAft>
+              <a:defRPr sz="2400" b="1">
+                <a:solidFill>
+                  <a:schemeClr val="tx1"/>
+                </a:solidFill>
+                <a:latin typeface="Arial" charset="0"/>
+                <a:ea typeface="ヒラギノ角ゴ Pro W3" pitchFamily="-112" charset="-128"/>
+                <a:cs typeface="ヒラギノ角ゴ Pro W3" pitchFamily="-112" charset="-128"/>
+              </a:defRPr>
+            </a:lvl3pPr>
+            <a:lvl4pPr algn="l" rtl="0" eaLnBrk="0" fontAlgn="base" hangingPunct="0">
+              <a:spcBef>
+                <a:spcPct val="0"/>
+              </a:spcBef>
+              <a:spcAft>
+                <a:spcPct val="0"/>
+              </a:spcAft>
+              <a:defRPr sz="2400" b="1">
+                <a:solidFill>
+                  <a:schemeClr val="tx1"/>
+                </a:solidFill>
+                <a:latin typeface="Arial" charset="0"/>
+                <a:ea typeface="ヒラギノ角ゴ Pro W3" pitchFamily="-112" charset="-128"/>
+                <a:cs typeface="ヒラギノ角ゴ Pro W3" pitchFamily="-112" charset="-128"/>
+              </a:defRPr>
+            </a:lvl4pPr>
+            <a:lvl5pPr algn="l" rtl="0" eaLnBrk="0" fontAlgn="base" hangingPunct="0">
+              <a:spcBef>
+                <a:spcPct val="0"/>
+              </a:spcBef>
+              <a:spcAft>
+                <a:spcPct val="0"/>
+              </a:spcAft>
+              <a:defRPr sz="2400" b="1">
+                <a:solidFill>
+                  <a:schemeClr val="tx1"/>
+                </a:solidFill>
+                <a:latin typeface="Arial" charset="0"/>
+                <a:ea typeface="ヒラギノ角ゴ Pro W3" pitchFamily="-112" charset="-128"/>
+                <a:cs typeface="ヒラギノ角ゴ Pro W3" pitchFamily="-112" charset="-128"/>
+              </a:defRPr>
+            </a:lvl5pPr>
+            <a:lvl6pPr marL="457200" algn="l" rtl="0" fontAlgn="base">
+              <a:spcBef>
+                <a:spcPct val="0"/>
+              </a:spcBef>
+              <a:spcAft>
+                <a:spcPct val="0"/>
+              </a:spcAft>
+              <a:defRPr sz="2400" b="1">
+                <a:solidFill>
+                  <a:schemeClr val="tx1"/>
+                </a:solidFill>
+                <a:latin typeface="Arial" charset="0"/>
+              </a:defRPr>
+            </a:lvl6pPr>
+            <a:lvl7pPr marL="914400" algn="l" rtl="0" fontAlgn="base">
+              <a:spcBef>
+                <a:spcPct val="0"/>
+              </a:spcBef>
+              <a:spcAft>
+                <a:spcPct val="0"/>
+              </a:spcAft>
+              <a:defRPr sz="2400" b="1">
+                <a:solidFill>
+                  <a:schemeClr val="tx1"/>
+                </a:solidFill>
+                <a:latin typeface="Arial" charset="0"/>
+              </a:defRPr>
+            </a:lvl7pPr>
+            <a:lvl8pPr marL="1371600" algn="l" rtl="0" fontAlgn="base">
+              <a:spcBef>
+                <a:spcPct val="0"/>
+              </a:spcBef>
+              <a:spcAft>
+                <a:spcPct val="0"/>
+              </a:spcAft>
+              <a:defRPr sz="2400" b="1">
+                <a:solidFill>
+                  <a:schemeClr val="tx1"/>
+                </a:solidFill>
+                <a:latin typeface="Arial" charset="0"/>
+              </a:defRPr>
+            </a:lvl8pPr>
+            <a:lvl9pPr marL="1828800" algn="l" rtl="0" fontAlgn="base">
+              <a:spcBef>
+                <a:spcPct val="0"/>
+              </a:spcBef>
+              <a:spcAft>
+                <a:spcPct val="0"/>
+              </a:spcAft>
+              <a:defRPr sz="2400" b="1">
+                <a:solidFill>
+                  <a:schemeClr val="tx1"/>
+                </a:solidFill>
+                <a:latin typeface="Arial" charset="0"/>
+              </a:defRPr>
+            </a:lvl9pPr>
+          </a:lstStyle>
+          <a:p>
+            <a:r>
+              <a:rPr lang="de-DE" dirty="0" smtClean="0"/>
+              <a:t>FAZIT</a:t>
+            </a:r>
+            <a:endParaRPr lang="de-DE" dirty="0"/>
+          </a:p>
+        </p:txBody>
+      </p:sp>
+      <p:sp>
+        <p:nvSpPr>
+          <p:cNvPr id="10" name="Rechteck 9"/>
+          <p:cNvSpPr/>
+          <p:nvPr/>
+        </p:nvSpPr>
+        <p:spPr>
+          <a:xfrm>
+            <a:off x="776604" y="2744924"/>
+            <a:ext cx="4932040" cy="1336022"/>
+          </a:xfrm>
+          <a:prstGeom prst="rect">
+            <a:avLst/>
+          </a:prstGeom>
+        </p:spPr>
+        <p:txBody>
+          <a:bodyPr anchor="b" anchorCtr="0">
+            <a:noAutofit/>
+          </a:bodyPr>
+          <a:lstStyle/>
+          <a:p>
+            <a:pPr>
+              <a:spcBef>
+                <a:spcPts val="600"/>
+              </a:spcBef>
+              <a:spcAft>
+                <a:spcPts val="0"/>
+              </a:spcAft>
+            </a:pPr>
+            <a:r>
+              <a:rPr lang="de-DE" sz="2000" dirty="0" smtClean="0">
+                <a:solidFill>
+                  <a:schemeClr val="tx1">
+                    <a:lumMod val="50000"/>
+                    <a:lumOff val="50000"/>
+                  </a:schemeClr>
+                </a:solidFill>
+              </a:rPr>
+              <a:t>Einleitung</a:t>
+            </a:r>
+          </a:p>
+          <a:p>
+            <a:pPr>
+              <a:spcBef>
+                <a:spcPts val="600"/>
+              </a:spcBef>
+              <a:spcAft>
+                <a:spcPts val="0"/>
+              </a:spcAft>
+            </a:pPr>
+            <a:r>
+              <a:rPr lang="de-DE" sz="2000" dirty="0" smtClean="0">
+                <a:solidFill>
+                  <a:schemeClr val="tx1">
+                    <a:lumMod val="50000"/>
+                    <a:lumOff val="50000"/>
+                  </a:schemeClr>
+                </a:solidFill>
+              </a:rPr>
+              <a:t>Architektur-Modelle</a:t>
+            </a:r>
+          </a:p>
+          <a:p>
+            <a:pPr>
+              <a:spcBef>
+                <a:spcPts val="600"/>
+              </a:spcBef>
+              <a:spcAft>
+                <a:spcPts val="0"/>
+              </a:spcAft>
+            </a:pPr>
+            <a:r>
+              <a:rPr lang="de-DE" sz="2000" dirty="0" smtClean="0">
+                <a:solidFill>
+                  <a:schemeClr val="tx1">
+                    <a:lumMod val="50000"/>
+                    <a:lumOff val="50000"/>
+                  </a:schemeClr>
+                </a:solidFill>
+              </a:rPr>
+              <a:t>Weiterführende Konzepte</a:t>
+            </a:r>
+            <a:endParaRPr lang="de-DE" sz="500" dirty="0">
+              <a:solidFill>
+                <a:srgbClr val="000000">
+                  <a:lumMod val="50000"/>
+                  <a:lumOff val="50000"/>
+                </a:srgbClr>
+              </a:solidFill>
+            </a:endParaRPr>
+          </a:p>
+        </p:txBody>
+      </p:sp>
+    </p:spTree>
+    <p:extLst>
+      <p:ext uri="{BB962C8B-B14F-4D97-AF65-F5344CB8AC3E}">
+        <p14:creationId xmlns:p14="http://schemas.microsoft.com/office/powerpoint/2010/main" val="1139414897"/>
+      </p:ext>
+    </p:extLst>
+  </p:cSld>
+  <p:clrMapOvr>
+    <a:masterClrMapping/>
+  </p:clrMapOvr>
+  <p:timing>
+    <p:tnLst>
+      <p:par>
+        <p:cTn id="1" dur="indefinite" restart="never" nodeType="tmRoot"/>
+      </p:par>
+    </p:tnLst>
+  </p:timing>
+</p:sld>
+</file>
+
 <file path=ppt/slides/slide3.xml><?xml version="1.0" encoding="utf-8"?>
 <p:sld xmlns:a="http://schemas.openxmlformats.org/drawingml/2006/main" xmlns:r="http://schemas.openxmlformats.org/officeDocument/2006/relationships" xmlns:p="http://schemas.openxmlformats.org/presentationml/2006/main">
   <p:cSld>
@@ -9220,6 +9547,529 @@
             <p:ph type="title"/>
           </p:nvPr>
         </p:nvSpPr>
+        <p:spPr/>
+        <p:txBody>
+          <a:bodyPr/>
+          <a:lstStyle/>
+          <a:p>
+            <a:r>
+              <a:rPr lang="de-DE" dirty="0" smtClean="0"/>
+              <a:t>Project </a:t>
+            </a:r>
+            <a:r>
+              <a:rPr lang="de-DE" dirty="0" err="1" smtClean="0"/>
+              <a:t>Context</a:t>
+            </a:r>
+            <a:endParaRPr lang="de-DE" dirty="0"/>
+          </a:p>
+        </p:txBody>
+      </p:sp>
+      <p:pic>
+        <p:nvPicPr>
+          <p:cNvPr id="1026" name="Picture 2" descr="http://www.ens-group.eu/de/uploaded/cms/shop_slideshow/cisco-switch-reparatur-repair.jpg"/>
+          <p:cNvPicPr>
+            <a:picLocks noChangeAspect="1" noChangeArrowheads="1"/>
+          </p:cNvPicPr>
+          <p:nvPr/>
+        </p:nvPicPr>
+        <p:blipFill>
+          <a:blip r:embed="rId2">
+            <a:extLst>
+              <a:ext uri="{28A0092B-C50C-407E-A947-70E740481C1C}">
+                <a14:useLocalDpi xmlns:a14="http://schemas.microsoft.com/office/drawing/2010/main" val="0"/>
+              </a:ext>
+            </a:extLst>
+          </a:blip>
+          <a:srcRect/>
+          <a:stretch>
+            <a:fillRect/>
+          </a:stretch>
+        </p:blipFill>
+        <p:spPr bwMode="auto">
+          <a:xfrm>
+            <a:off x="251520" y="3107029"/>
+            <a:ext cx="3673678" cy="2305820"/>
+          </a:xfrm>
+          <a:prstGeom prst="rect">
+            <a:avLst/>
+          </a:prstGeom>
+          <a:noFill/>
+          <a:extLst>
+            <a:ext uri="{909E8E84-426E-40DD-AFC4-6F175D3DCCD1}">
+              <a14:hiddenFill xmlns:a14="http://schemas.microsoft.com/office/drawing/2010/main">
+                <a:solidFill>
+                  <a:srgbClr val="FFFFFF"/>
+                </a:solidFill>
+              </a14:hiddenFill>
+            </a:ext>
+          </a:extLst>
+        </p:spPr>
+      </p:pic>
+      <p:sp>
+        <p:nvSpPr>
+          <p:cNvPr id="6" name="Textfeld 5"/>
+          <p:cNvSpPr txBox="1"/>
+          <p:nvPr/>
+        </p:nvSpPr>
+        <p:spPr>
+          <a:xfrm>
+            <a:off x="251520" y="5412849"/>
+            <a:ext cx="1404552" cy="261610"/>
+          </a:xfrm>
+          <a:prstGeom prst="rect">
+            <a:avLst/>
+          </a:prstGeom>
+          <a:noFill/>
+        </p:spPr>
+        <p:txBody>
+          <a:bodyPr wrap="none" rtlCol="0">
+            <a:spAutoFit/>
+          </a:bodyPr>
+          <a:lstStyle/>
+          <a:p>
+            <a:r>
+              <a:rPr lang="de-DE" sz="1100" dirty="0" smtClean="0"/>
+              <a:t>(c) </a:t>
+            </a:r>
+            <a:r>
+              <a:rPr lang="de-DE" sz="1100" dirty="0" err="1" smtClean="0"/>
+              <a:t>by</a:t>
+            </a:r>
+            <a:r>
+              <a:rPr lang="de-DE" sz="1100" dirty="0" smtClean="0"/>
+              <a:t> ens-group.eu</a:t>
+            </a:r>
+            <a:endParaRPr lang="de-DE" sz="1100" dirty="0"/>
+          </a:p>
+        </p:txBody>
+      </p:sp>
+      <p:pic>
+        <p:nvPicPr>
+          <p:cNvPr id="1028" name="Picture 4" descr="http://3.bp.blogspot.com/-H-HUsvY9PeI/TtMeYU1miUI/AAAAAAAAAP4/XTn5bbtfxaA/s1600/Internet-of-things1.jpg"/>
+          <p:cNvPicPr>
+            <a:picLocks noChangeAspect="1" noChangeArrowheads="1"/>
+          </p:cNvPicPr>
+          <p:nvPr/>
+        </p:nvPicPr>
+        <p:blipFill>
+          <a:blip r:embed="rId3" cstate="print">
+            <a:extLst>
+              <a:ext uri="{28A0092B-C50C-407E-A947-70E740481C1C}">
+                <a14:useLocalDpi xmlns:a14="http://schemas.microsoft.com/office/drawing/2010/main" val="0"/>
+              </a:ext>
+            </a:extLst>
+          </a:blip>
+          <a:srcRect/>
+          <a:stretch>
+            <a:fillRect/>
+          </a:stretch>
+        </p:blipFill>
+        <p:spPr bwMode="auto">
+          <a:xfrm>
+            <a:off x="5652120" y="2707356"/>
+            <a:ext cx="2879105" cy="2809876"/>
+          </a:xfrm>
+          <a:prstGeom prst="rect">
+            <a:avLst/>
+          </a:prstGeom>
+          <a:noFill/>
+          <a:extLst>
+            <a:ext uri="{909E8E84-426E-40DD-AFC4-6F175D3DCCD1}">
+              <a14:hiddenFill xmlns:a14="http://schemas.microsoft.com/office/drawing/2010/main">
+                <a:solidFill>
+                  <a:srgbClr val="FFFFFF"/>
+                </a:solidFill>
+              </a14:hiddenFill>
+            </a:ext>
+          </a:extLst>
+        </p:spPr>
+      </p:pic>
+      <p:sp>
+        <p:nvSpPr>
+          <p:cNvPr id="9" name="Textfeld 8"/>
+          <p:cNvSpPr txBox="1"/>
+          <p:nvPr/>
+        </p:nvSpPr>
+        <p:spPr>
+          <a:xfrm>
+            <a:off x="5687120" y="5543654"/>
+            <a:ext cx="3190297" cy="261610"/>
+          </a:xfrm>
+          <a:prstGeom prst="rect">
+            <a:avLst/>
+          </a:prstGeom>
+          <a:noFill/>
+        </p:spPr>
+        <p:txBody>
+          <a:bodyPr wrap="none" rtlCol="0">
+            <a:spAutoFit/>
+          </a:bodyPr>
+          <a:lstStyle/>
+          <a:p>
+            <a:r>
+              <a:rPr lang="de-DE" sz="1100" dirty="0" smtClean="0"/>
+              <a:t>(c) </a:t>
+            </a:r>
+            <a:r>
+              <a:rPr lang="de-DE" sz="1100" dirty="0" err="1" smtClean="0"/>
+              <a:t>by</a:t>
+            </a:r>
+            <a:r>
+              <a:rPr lang="de-DE" sz="1100" dirty="0"/>
+              <a:t> </a:t>
+            </a:r>
+            <a:r>
+              <a:rPr lang="de-DE" sz="1100" dirty="0" smtClean="0"/>
+              <a:t>scribbles-notes.blogspot.de, G.N. </a:t>
+            </a:r>
+            <a:r>
+              <a:rPr lang="de-DE" sz="1100" dirty="0" err="1" smtClean="0"/>
+              <a:t>Nagaraj</a:t>
+            </a:r>
+            <a:endParaRPr lang="de-DE" sz="1100" dirty="0"/>
+          </a:p>
+        </p:txBody>
+      </p:sp>
+      <p:cxnSp>
+        <p:nvCxnSpPr>
+          <p:cNvPr id="8" name="Gerade Verbindung 7"/>
+          <p:cNvCxnSpPr/>
+          <p:nvPr/>
+        </p:nvCxnSpPr>
+        <p:spPr>
+          <a:xfrm>
+            <a:off x="4644008" y="1916832"/>
+            <a:ext cx="0" cy="4104456"/>
+          </a:xfrm>
+          <a:prstGeom prst="line">
+            <a:avLst/>
+          </a:prstGeom>
+        </p:spPr>
+        <p:style>
+          <a:lnRef idx="1">
+            <a:schemeClr val="dk1"/>
+          </a:lnRef>
+          <a:fillRef idx="0">
+            <a:schemeClr val="dk1"/>
+          </a:fillRef>
+          <a:effectRef idx="0">
+            <a:schemeClr val="dk1"/>
+          </a:effectRef>
+          <a:fontRef idx="minor">
+            <a:schemeClr val="tx1"/>
+          </a:fontRef>
+        </p:style>
+      </p:cxnSp>
+      <p:sp>
+        <p:nvSpPr>
+          <p:cNvPr id="10" name="Textfeld 9"/>
+          <p:cNvSpPr txBox="1"/>
+          <p:nvPr/>
+        </p:nvSpPr>
+        <p:spPr>
+          <a:xfrm>
+            <a:off x="251520" y="1939330"/>
+            <a:ext cx="3502882" cy="707886"/>
+          </a:xfrm>
+          <a:prstGeom prst="rect">
+            <a:avLst/>
+          </a:prstGeom>
+          <a:noFill/>
+        </p:spPr>
+        <p:txBody>
+          <a:bodyPr wrap="none" rtlCol="0">
+            <a:spAutoFit/>
+          </a:bodyPr>
+          <a:lstStyle/>
+          <a:p>
+            <a:r>
+              <a:rPr lang="de-DE" sz="2000" b="1" dirty="0" smtClean="0"/>
+              <a:t>High </a:t>
+            </a:r>
+            <a:r>
+              <a:rPr lang="de-DE" sz="2000" b="1" dirty="0" err="1" smtClean="0"/>
+              <a:t>performance</a:t>
+            </a:r>
+            <a:r>
+              <a:rPr lang="de-DE" sz="2000" b="1" dirty="0" smtClean="0"/>
+              <a:t> </a:t>
+            </a:r>
+            <a:r>
+              <a:rPr lang="de-DE" sz="2000" b="1" dirty="0" err="1" smtClean="0"/>
+              <a:t>network</a:t>
+            </a:r>
+            <a:r>
+              <a:rPr lang="de-DE" sz="2000" b="1" dirty="0" smtClean="0"/>
+              <a:t> </a:t>
+            </a:r>
+          </a:p>
+          <a:p>
+            <a:r>
+              <a:rPr lang="de-DE" sz="2000" b="1" dirty="0" err="1" smtClean="0"/>
+              <a:t>backends</a:t>
+            </a:r>
+            <a:r>
+              <a:rPr lang="de-DE" sz="2000" b="1" dirty="0" smtClean="0"/>
+              <a:t> </a:t>
+            </a:r>
+            <a:r>
+              <a:rPr lang="de-DE" sz="2000" b="1" dirty="0" err="1" smtClean="0"/>
+              <a:t>and</a:t>
+            </a:r>
+            <a:r>
+              <a:rPr lang="de-DE" sz="2000" b="1" dirty="0" smtClean="0"/>
+              <a:t> </a:t>
+            </a:r>
+            <a:r>
+              <a:rPr lang="de-DE" sz="2000" b="1" dirty="0" err="1" smtClean="0"/>
+              <a:t>nodes</a:t>
+            </a:r>
+            <a:endParaRPr lang="de-DE" sz="2000" b="1" dirty="0"/>
+          </a:p>
+        </p:txBody>
+      </p:sp>
+      <p:sp>
+        <p:nvSpPr>
+          <p:cNvPr id="13" name="Textfeld 12"/>
+          <p:cNvSpPr txBox="1"/>
+          <p:nvPr/>
+        </p:nvSpPr>
+        <p:spPr>
+          <a:xfrm>
+            <a:off x="5687120" y="1939330"/>
+            <a:ext cx="2276585" cy="400110"/>
+          </a:xfrm>
+          <a:prstGeom prst="rect">
+            <a:avLst/>
+          </a:prstGeom>
+          <a:noFill/>
+        </p:spPr>
+        <p:txBody>
+          <a:bodyPr wrap="none" rtlCol="0">
+            <a:spAutoFit/>
+          </a:bodyPr>
+          <a:lstStyle/>
+          <a:p>
+            <a:r>
+              <a:rPr lang="de-DE" sz="2000" b="1" dirty="0" smtClean="0"/>
+              <a:t>Internet </a:t>
+            </a:r>
+            <a:r>
+              <a:rPr lang="de-DE" sz="2000" b="1" dirty="0" err="1" smtClean="0"/>
+              <a:t>of</a:t>
+            </a:r>
+            <a:r>
+              <a:rPr lang="de-DE" sz="2000" b="1" dirty="0" smtClean="0"/>
+              <a:t> </a:t>
+            </a:r>
+            <a:r>
+              <a:rPr lang="de-DE" sz="2000" b="1" dirty="0" err="1" smtClean="0"/>
+              <a:t>things</a:t>
+            </a:r>
+            <a:endParaRPr lang="de-DE" sz="2000" b="1" dirty="0"/>
+          </a:p>
+        </p:txBody>
+      </p:sp>
+    </p:spTree>
+    <p:extLst>
+      <p:ext uri="{BB962C8B-B14F-4D97-AF65-F5344CB8AC3E}">
+        <p14:creationId xmlns:p14="http://schemas.microsoft.com/office/powerpoint/2010/main" val="1136533092"/>
+      </p:ext>
+    </p:extLst>
+  </p:cSld>
+  <p:clrMapOvr>
+    <a:masterClrMapping/>
+  </p:clrMapOvr>
+</p:sld>
+</file>
+
+<file path=ppt/slides/slide6.xml><?xml version="1.0" encoding="utf-8"?>
+<p:sld xmlns:a="http://schemas.openxmlformats.org/drawingml/2006/main" xmlns:r="http://schemas.openxmlformats.org/officeDocument/2006/relationships" xmlns:p="http://schemas.openxmlformats.org/presentationml/2006/main">
+  <p:cSld>
+    <p:spTree>
+      <p:nvGrpSpPr>
+        <p:cNvPr id="1" name=""/>
+        <p:cNvGrpSpPr/>
+        <p:nvPr/>
+      </p:nvGrpSpPr>
+      <p:grpSpPr>
+        <a:xfrm>
+          <a:off x="0" y="0"/>
+          <a:ext cx="0" cy="0"/>
+          <a:chOff x="0" y="0"/>
+          <a:chExt cx="0" cy="0"/>
+        </a:xfrm>
+      </p:grpSpPr>
+      <p:sp>
+        <p:nvSpPr>
+          <p:cNvPr id="4" name="Titel 3"/>
+          <p:cNvSpPr>
+            <a:spLocks noGrp="1"/>
+          </p:cNvSpPr>
+          <p:nvPr>
+            <p:ph type="title"/>
+          </p:nvPr>
+        </p:nvSpPr>
+        <p:spPr/>
+        <p:txBody>
+          <a:bodyPr/>
+          <a:lstStyle/>
+          <a:p>
+            <a:r>
+              <a:rPr lang="de-DE" dirty="0" smtClean="0"/>
+              <a:t>Project </a:t>
+            </a:r>
+            <a:r>
+              <a:rPr lang="de-DE" dirty="0" err="1" smtClean="0"/>
+              <a:t>Context</a:t>
+            </a:r>
+            <a:endParaRPr lang="de-DE" dirty="0"/>
+          </a:p>
+        </p:txBody>
+      </p:sp>
+      <p:pic>
+        <p:nvPicPr>
+          <p:cNvPr id="2050" name="Picture 2" descr="Aerospace Device Family. (Right click to download image)."/>
+          <p:cNvPicPr>
+            <a:picLocks noChangeAspect="1" noChangeArrowheads="1"/>
+          </p:cNvPicPr>
+          <p:nvPr/>
+        </p:nvPicPr>
+        <p:blipFill rotWithShape="1">
+          <a:blip r:embed="rId2" cstate="print">
+            <a:extLst>
+              <a:ext uri="{28A0092B-C50C-407E-A947-70E740481C1C}">
+                <a14:useLocalDpi xmlns:a14="http://schemas.microsoft.com/office/drawing/2010/main" val="0"/>
+              </a:ext>
+            </a:extLst>
+          </a:blip>
+          <a:srcRect l="34779" t="44312" r="34779" b="15671"/>
+          <a:stretch/>
+        </p:blipFill>
+        <p:spPr bwMode="auto">
+          <a:xfrm>
+            <a:off x="5148064" y="1844824"/>
+            <a:ext cx="3276600" cy="2527151"/>
+          </a:xfrm>
+          <a:prstGeom prst="rect">
+            <a:avLst/>
+          </a:prstGeom>
+          <a:noFill/>
+          <a:extLst>
+            <a:ext uri="{909E8E84-426E-40DD-AFC4-6F175D3DCCD1}">
+              <a14:hiddenFill xmlns:a14="http://schemas.microsoft.com/office/drawing/2010/main">
+                <a:solidFill>
+                  <a:srgbClr val="FFFFFF"/>
+                </a:solidFill>
+              </a14:hiddenFill>
+            </a:ext>
+          </a:extLst>
+        </p:spPr>
+      </p:pic>
+      <p:pic>
+        <p:nvPicPr>
+          <p:cNvPr id="2051" name="Picture 3"/>
+          <p:cNvPicPr>
+            <a:picLocks noChangeAspect="1" noChangeArrowheads="1"/>
+          </p:cNvPicPr>
+          <p:nvPr/>
+        </p:nvPicPr>
+        <p:blipFill>
+          <a:blip r:embed="rId3">
+            <a:extLst>
+              <a:ext uri="{28A0092B-C50C-407E-A947-70E740481C1C}">
+                <a14:useLocalDpi xmlns:a14="http://schemas.microsoft.com/office/drawing/2010/main" val="0"/>
+              </a:ext>
+            </a:extLst>
+          </a:blip>
+          <a:srcRect/>
+          <a:stretch>
+            <a:fillRect/>
+          </a:stretch>
+        </p:blipFill>
+        <p:spPr bwMode="auto">
+          <a:xfrm>
+            <a:off x="611560" y="3105323"/>
+            <a:ext cx="2465859" cy="2306084"/>
+          </a:xfrm>
+          <a:prstGeom prst="rect">
+            <a:avLst/>
+          </a:prstGeom>
+          <a:noFill/>
+          <a:ln>
+            <a:noFill/>
+          </a:ln>
+          <a:effectLst/>
+          <a:extLst>
+            <a:ext uri="{909E8E84-426E-40DD-AFC4-6F175D3DCCD1}">
+              <a14:hiddenFill xmlns:a14="http://schemas.microsoft.com/office/drawing/2010/main">
+                <a:solidFill>
+                  <a:schemeClr val="accent1"/>
+                </a:solidFill>
+              </a14:hiddenFill>
+            </a:ext>
+            <a:ext uri="{91240B29-F687-4F45-9708-019B960494DF}">
+              <a14:hiddenLine xmlns:a14="http://schemas.microsoft.com/office/drawing/2010/main" w="9525">
+                <a:solidFill>
+                  <a:schemeClr val="tx1"/>
+                </a:solidFill>
+                <a:miter lim="800000"/>
+                <a:headEnd/>
+                <a:tailEnd/>
+              </a14:hiddenLine>
+            </a:ext>
+            <a:ext uri="{AF507438-7753-43E0-B8FC-AC1667EBCBE1}">
+              <a14:hiddenEffects xmlns:a14="http://schemas.microsoft.com/office/drawing/2010/main">
+                <a:effectLst>
+                  <a:outerShdw dist="35921" dir="2700000" algn="ctr" rotWithShape="0">
+                    <a:schemeClr val="bg2"/>
+                  </a:outerShdw>
+                </a:effectLst>
+              </a14:hiddenEffects>
+            </a:ext>
+          </a:extLst>
+        </p:spPr>
+      </p:pic>
+    </p:spTree>
+    <p:extLst>
+      <p:ext uri="{BB962C8B-B14F-4D97-AF65-F5344CB8AC3E}">
+        <p14:creationId xmlns:p14="http://schemas.microsoft.com/office/powerpoint/2010/main" val="2124167272"/>
+      </p:ext>
+    </p:extLst>
+  </p:cSld>
+  <p:clrMapOvr>
+    <a:masterClrMapping/>
+  </p:clrMapOvr>
+</p:sld>
+</file>
+
+<file path=ppt/slides/slide7.xml><?xml version="1.0" encoding="utf-8"?>
+<p:sld xmlns:a="http://schemas.openxmlformats.org/drawingml/2006/main" xmlns:r="http://schemas.openxmlformats.org/officeDocument/2006/relationships" xmlns:p="http://schemas.openxmlformats.org/presentationml/2006/main">
+  <p:cSld>
+    <p:spTree>
+      <p:nvGrpSpPr>
+        <p:cNvPr id="1" name=""/>
+        <p:cNvGrpSpPr/>
+        <p:nvPr/>
+      </p:nvGrpSpPr>
+      <p:grpSpPr>
+        <a:xfrm>
+          <a:off x="0" y="0"/>
+          <a:ext cx="0" cy="0"/>
+          <a:chOff x="0" y="0"/>
+          <a:chExt cx="0" cy="0"/>
+        </a:xfrm>
+      </p:grpSpPr>
+      <p:sp>
+        <p:nvSpPr>
+          <p:cNvPr id="4" name="Titel 3"/>
+          <p:cNvSpPr>
+            <a:spLocks noGrp="1"/>
+          </p:cNvSpPr>
+          <p:nvPr>
+            <p:ph type="title"/>
+          </p:nvPr>
+        </p:nvSpPr>
         <p:spPr>
           <a:xfrm>
             <a:off x="850845" y="4113076"/>
@@ -9402,7 +10252,7 @@
 </p:sld>
 </file>
 
-<file path=ppt/slides/slide6.xml><?xml version="1.0" encoding="utf-8"?>
+<file path=ppt/slides/slide8.xml><?xml version="1.0" encoding="utf-8"?>
 <p:sld xmlns:a="http://schemas.openxmlformats.org/drawingml/2006/main" xmlns:r="http://schemas.openxmlformats.org/officeDocument/2006/relationships" xmlns:p="http://schemas.openxmlformats.org/presentationml/2006/main">
   <p:cSld>
     <p:spTree>
@@ -9654,11 +10504,6 @@
               </a:rPr>
               <a:t> XC5VLX110T</a:t>
             </a:r>
-            <a:endParaRPr lang="de-DE" b="1" dirty="0">
-              <a:solidFill>
-                <a:schemeClr val="tx1"/>
-              </a:solidFill>
-            </a:endParaRPr>
           </a:p>
         </p:txBody>
       </p:sp>
@@ -10035,7 +10880,7 @@
 </p:sld>
 </file>
 
-<file path=ppt/slides/slide7.xml><?xml version="1.0" encoding="utf-8"?>
+<file path=ppt/slides/slide9.xml><?xml version="1.0" encoding="utf-8"?>
 <p:sld xmlns:a="http://schemas.openxmlformats.org/drawingml/2006/main" xmlns:r="http://schemas.openxmlformats.org/officeDocument/2006/relationships" xmlns:p="http://schemas.openxmlformats.org/presentationml/2006/main">
   <p:cSld>
     <p:spTree>
@@ -10287,11 +11132,6 @@
               </a:rPr>
               <a:t> XC5VLX110T</a:t>
             </a:r>
-            <a:endParaRPr lang="de-DE" b="1" dirty="0">
-              <a:solidFill>
-                <a:schemeClr val="tx1"/>
-              </a:solidFill>
-            </a:endParaRPr>
           </a:p>
         </p:txBody>
       </p:sp>
@@ -10299,399 +11139,6 @@
     <p:extLst>
       <p:ext uri="{BB962C8B-B14F-4D97-AF65-F5344CB8AC3E}">
         <p14:creationId xmlns:p14="http://schemas.microsoft.com/office/powerpoint/2010/main" val="3065777813"/>
-      </p:ext>
-    </p:extLst>
-  </p:cSld>
-  <p:clrMapOvr>
-    <a:masterClrMapping/>
-  </p:clrMapOvr>
-  <p:timing>
-    <p:tnLst>
-      <p:par>
-        <p:cTn id="1" dur="indefinite" restart="never" nodeType="tmRoot"/>
-      </p:par>
-    </p:tnLst>
-  </p:timing>
-</p:sld>
-</file>
-
-<file path=ppt/slides/slide8.xml><?xml version="1.0" encoding="utf-8"?>
-<p:sld xmlns:a="http://schemas.openxmlformats.org/drawingml/2006/main" xmlns:r="http://schemas.openxmlformats.org/officeDocument/2006/relationships" xmlns:p="http://schemas.openxmlformats.org/presentationml/2006/main">
-  <p:cSld>
-    <p:spTree>
-      <p:nvGrpSpPr>
-        <p:cNvPr id="1" name=""/>
-        <p:cNvGrpSpPr/>
-        <p:nvPr/>
-      </p:nvGrpSpPr>
-      <p:grpSpPr>
-        <a:xfrm>
-          <a:off x="0" y="0"/>
-          <a:ext cx="0" cy="0"/>
-          <a:chOff x="0" y="0"/>
-          <a:chExt cx="0" cy="0"/>
-        </a:xfrm>
-      </p:grpSpPr>
-      <p:sp>
-        <p:nvSpPr>
-          <p:cNvPr id="4" name="Titel 3"/>
-          <p:cNvSpPr>
-            <a:spLocks noGrp="1"/>
-          </p:cNvSpPr>
-          <p:nvPr>
-            <p:ph type="title"/>
-          </p:nvPr>
-        </p:nvSpPr>
-        <p:spPr>
-          <a:xfrm>
-            <a:off x="850845" y="4113076"/>
-            <a:ext cx="7609587" cy="613809"/>
-          </a:xfrm>
-        </p:spPr>
-        <p:txBody>
-          <a:bodyPr/>
-          <a:lstStyle/>
-          <a:p>
-            <a:r>
-              <a:rPr lang="en-US" dirty="0" smtClean="0"/>
-              <a:t>Hardware Architecture</a:t>
-            </a:r>
-            <a:endParaRPr lang="en-US" dirty="0"/>
-          </a:p>
-        </p:txBody>
-      </p:sp>
-      <p:sp>
-        <p:nvSpPr>
-          <p:cNvPr id="8" name="Rechteck 7"/>
-          <p:cNvSpPr/>
-          <p:nvPr/>
-        </p:nvSpPr>
-        <p:spPr>
-          <a:xfrm>
-            <a:off x="776604" y="4709209"/>
-            <a:ext cx="4932040" cy="1528103"/>
-          </a:xfrm>
-          <a:prstGeom prst="rect">
-            <a:avLst/>
-          </a:prstGeom>
-        </p:spPr>
-        <p:txBody>
-          <a:bodyPr anchor="t" anchorCtr="0">
-            <a:noAutofit/>
-          </a:bodyPr>
-          <a:lstStyle/>
-          <a:p>
-            <a:pPr>
-              <a:spcBef>
-                <a:spcPts val="600"/>
-              </a:spcBef>
-              <a:spcAft>
-                <a:spcPts val="0"/>
-              </a:spcAft>
-            </a:pPr>
-            <a:r>
-              <a:rPr lang="en-US" sz="2000" dirty="0" smtClean="0">
-                <a:solidFill>
-                  <a:schemeClr val="tx1">
-                    <a:lumMod val="50000"/>
-                    <a:lumOff val="50000"/>
-                  </a:schemeClr>
-                </a:solidFill>
-              </a:rPr>
-              <a:t>Software</a:t>
-            </a:r>
-          </a:p>
-          <a:p>
-            <a:pPr>
-              <a:spcBef>
-                <a:spcPts val="600"/>
-              </a:spcBef>
-              <a:spcAft>
-                <a:spcPts val="0"/>
-              </a:spcAft>
-            </a:pPr>
-            <a:r>
-              <a:rPr lang="en-US" sz="2000" dirty="0" smtClean="0">
-                <a:solidFill>
-                  <a:schemeClr val="tx1">
-                    <a:lumMod val="50000"/>
-                    <a:lumOff val="50000"/>
-                  </a:schemeClr>
-                </a:solidFill>
-              </a:rPr>
-              <a:t>Conclusion</a:t>
-            </a:r>
-            <a:endParaRPr lang="en-US" sz="500" dirty="0">
-              <a:solidFill>
-                <a:srgbClr val="000000">
-                  <a:lumMod val="50000"/>
-                  <a:lumOff val="50000"/>
-                </a:srgbClr>
-              </a:solidFill>
-            </a:endParaRPr>
-          </a:p>
-        </p:txBody>
-      </p:sp>
-      <p:sp>
-        <p:nvSpPr>
-          <p:cNvPr id="5" name="Rechteck 4"/>
-          <p:cNvSpPr/>
-          <p:nvPr/>
-        </p:nvSpPr>
-        <p:spPr>
-          <a:xfrm>
-            <a:off x="776604" y="2611452"/>
-            <a:ext cx="4932040" cy="1528103"/>
-          </a:xfrm>
-          <a:prstGeom prst="rect">
-            <a:avLst/>
-          </a:prstGeom>
-        </p:spPr>
-        <p:txBody>
-          <a:bodyPr anchor="b" anchorCtr="0">
-            <a:noAutofit/>
-          </a:bodyPr>
-          <a:lstStyle/>
-          <a:p>
-            <a:pPr>
-              <a:spcBef>
-                <a:spcPts val="600"/>
-              </a:spcBef>
-              <a:spcAft>
-                <a:spcPts val="0"/>
-              </a:spcAft>
-            </a:pPr>
-            <a:r>
-              <a:rPr lang="en-US" sz="2000" dirty="0" smtClean="0">
-                <a:solidFill>
-                  <a:schemeClr val="tx1">
-                    <a:lumMod val="50000"/>
-                    <a:lumOff val="50000"/>
-                  </a:schemeClr>
-                </a:solidFill>
-              </a:rPr>
-              <a:t>Project Context</a:t>
-            </a:r>
-          </a:p>
-          <a:p>
-            <a:pPr>
-              <a:spcBef>
-                <a:spcPts val="600"/>
-              </a:spcBef>
-              <a:spcAft>
-                <a:spcPts val="0"/>
-              </a:spcAft>
-            </a:pPr>
-            <a:r>
-              <a:rPr lang="en-US" sz="2000" dirty="0" smtClean="0">
-                <a:solidFill>
-                  <a:schemeClr val="tx1">
-                    <a:lumMod val="50000"/>
-                    <a:lumOff val="50000"/>
-                  </a:schemeClr>
-                </a:solidFill>
-              </a:rPr>
-              <a:t>System Requirements</a:t>
-            </a:r>
-            <a:endParaRPr lang="en-US" sz="500" dirty="0">
-              <a:solidFill>
-                <a:srgbClr val="000000">
-                  <a:lumMod val="50000"/>
-                  <a:lumOff val="50000"/>
-                </a:srgbClr>
-              </a:solidFill>
-            </a:endParaRPr>
-          </a:p>
-        </p:txBody>
-      </p:sp>
-    </p:spTree>
-    <p:extLst>
-      <p:ext uri="{BB962C8B-B14F-4D97-AF65-F5344CB8AC3E}">
-        <p14:creationId xmlns:p14="http://schemas.microsoft.com/office/powerpoint/2010/main" val="3809413671"/>
-      </p:ext>
-    </p:extLst>
-  </p:cSld>
-  <p:clrMapOvr>
-    <a:masterClrMapping/>
-  </p:clrMapOvr>
-  <p:timing>
-    <p:tnLst>
-      <p:par>
-        <p:cTn id="1" dur="indefinite" restart="never" nodeType="tmRoot"/>
-      </p:par>
-    </p:tnLst>
-  </p:timing>
-</p:sld>
-</file>
-
-<file path=ppt/slides/slide9.xml><?xml version="1.0" encoding="utf-8"?>
-<p:sld xmlns:a="http://schemas.openxmlformats.org/drawingml/2006/main" xmlns:r="http://schemas.openxmlformats.org/officeDocument/2006/relationships" xmlns:p="http://schemas.openxmlformats.org/presentationml/2006/main">
-  <p:cSld>
-    <p:spTree>
-      <p:nvGrpSpPr>
-        <p:cNvPr id="1" name=""/>
-        <p:cNvGrpSpPr/>
-        <p:nvPr/>
-      </p:nvGrpSpPr>
-      <p:grpSpPr>
-        <a:xfrm>
-          <a:off x="0" y="0"/>
-          <a:ext cx="0" cy="0"/>
-          <a:chOff x="0" y="0"/>
-          <a:chExt cx="0" cy="0"/>
-        </a:xfrm>
-      </p:grpSpPr>
-      <p:sp>
-        <p:nvSpPr>
-          <p:cNvPr id="4" name="Titel 3"/>
-          <p:cNvSpPr>
-            <a:spLocks noGrp="1"/>
-          </p:cNvSpPr>
-          <p:nvPr>
-            <p:ph type="title"/>
-          </p:nvPr>
-        </p:nvSpPr>
-        <p:spPr/>
-        <p:txBody>
-          <a:bodyPr/>
-          <a:lstStyle/>
-          <a:p>
-            <a:r>
-              <a:rPr lang="de-DE" dirty="0" smtClean="0"/>
-              <a:t>Hardware </a:t>
-            </a:r>
-            <a:r>
-              <a:rPr lang="de-DE" dirty="0" err="1" smtClean="0"/>
-              <a:t>Architecture</a:t>
-            </a:r>
-            <a:endParaRPr lang="de-DE" dirty="0"/>
-          </a:p>
-        </p:txBody>
-      </p:sp>
-      <p:sp>
-        <p:nvSpPr>
-          <p:cNvPr id="8" name="Rechteck 7"/>
-          <p:cNvSpPr/>
-          <p:nvPr/>
-        </p:nvSpPr>
-        <p:spPr>
-          <a:xfrm>
-            <a:off x="648072" y="3140968"/>
-            <a:ext cx="7236296" cy="2340261"/>
-          </a:xfrm>
-          <a:prstGeom prst="rect">
-            <a:avLst/>
-          </a:prstGeom>
-        </p:spPr>
-        <p:txBody>
-          <a:bodyPr anchor="b" anchorCtr="0">
-            <a:noAutofit/>
-          </a:bodyPr>
-          <a:lstStyle/>
-          <a:p>
-            <a:pPr>
-              <a:spcBef>
-                <a:spcPts val="600"/>
-              </a:spcBef>
-              <a:spcAft>
-                <a:spcPts val="0"/>
-              </a:spcAft>
-            </a:pPr>
-            <a:r>
-              <a:rPr lang="de-DE" sz="2400" dirty="0" err="1" smtClean="0"/>
-              <a:t>External</a:t>
-            </a:r>
-            <a:r>
-              <a:rPr lang="de-DE" sz="2400" dirty="0" smtClean="0"/>
-              <a:t> </a:t>
-            </a:r>
-            <a:r>
-              <a:rPr lang="de-DE" sz="2400" dirty="0" err="1" smtClean="0"/>
-              <a:t>Architecture</a:t>
-            </a:r>
-            <a:r>
-              <a:rPr lang="de-DE" sz="2400" dirty="0" smtClean="0"/>
-              <a:t> / </a:t>
-            </a:r>
-            <a:r>
-              <a:rPr lang="de-DE" sz="2400" dirty="0" err="1" smtClean="0"/>
-              <a:t>Processor</a:t>
-            </a:r>
-            <a:endParaRPr lang="de-DE" sz="2400" dirty="0" smtClean="0"/>
-          </a:p>
-          <a:p>
-            <a:pPr>
-              <a:spcBef>
-                <a:spcPts val="600"/>
-              </a:spcBef>
-              <a:spcAft>
-                <a:spcPts val="0"/>
-              </a:spcAft>
-            </a:pPr>
-            <a:r>
-              <a:rPr lang="de-DE" sz="2400" dirty="0" smtClean="0"/>
-              <a:t>Bus </a:t>
-            </a:r>
-            <a:r>
-              <a:rPr lang="de-DE" sz="2400" dirty="0" err="1" smtClean="0"/>
-              <a:t>system</a:t>
-            </a:r>
-            <a:endParaRPr lang="de-DE" sz="2400" dirty="0" smtClean="0"/>
-          </a:p>
-          <a:p>
-            <a:pPr>
-              <a:spcBef>
-                <a:spcPts val="600"/>
-              </a:spcBef>
-              <a:spcAft>
-                <a:spcPts val="0"/>
-              </a:spcAft>
-            </a:pPr>
-            <a:r>
-              <a:rPr lang="de-DE" sz="2400" dirty="0" smtClean="0"/>
-              <a:t>Memory</a:t>
-            </a:r>
-          </a:p>
-          <a:p>
-            <a:pPr>
-              <a:spcBef>
-                <a:spcPts val="600"/>
-              </a:spcBef>
-              <a:spcAft>
-                <a:spcPts val="0"/>
-              </a:spcAft>
-            </a:pPr>
-            <a:r>
-              <a:rPr lang="de-DE" sz="2400" dirty="0" smtClean="0"/>
-              <a:t>Network </a:t>
-            </a:r>
-            <a:r>
-              <a:rPr lang="de-DE" sz="2400" dirty="0" err="1" smtClean="0"/>
-              <a:t>interface</a:t>
-            </a:r>
-            <a:endParaRPr lang="de-DE" sz="2400" dirty="0" smtClean="0"/>
-          </a:p>
-          <a:p>
-            <a:pPr>
-              <a:spcBef>
-                <a:spcPts val="600"/>
-              </a:spcBef>
-              <a:spcAft>
-                <a:spcPts val="0"/>
-              </a:spcAft>
-            </a:pPr>
-            <a:r>
-              <a:rPr lang="de-DE" sz="2400" dirty="0" err="1" smtClean="0"/>
-              <a:t>Clocks</a:t>
-            </a:r>
-            <a:endParaRPr lang="de-DE" sz="2400" dirty="0" smtClean="0"/>
-          </a:p>
-        </p:txBody>
-      </p:sp>
-    </p:spTree>
-    <p:extLst>
-      <p:ext uri="{BB962C8B-B14F-4D97-AF65-F5344CB8AC3E}">
-        <p14:creationId xmlns:p14="http://schemas.microsoft.com/office/powerpoint/2010/main" val="125372444"/>
       </p:ext>
     </p:extLst>
   </p:cSld>

--- a/IesHttpProject.pptx
+++ b/IesHttpProject.pptx
@@ -307,7 +307,7 @@
               <a:pPr>
                 <a:defRPr/>
               </a:pPr>
-              <a:t>24.09.2012</a:t>
+              <a:t>25.09.2012</a:t>
             </a:fld>
             <a:endParaRPr lang="de-DE"/>
           </a:p>
@@ -785,7 +785,7 @@
               <a:pPr>
                 <a:defRPr/>
               </a:pPr>
-              <a:t>24.09.2012</a:t>
+              <a:t>25.09.2012</a:t>
             </a:fld>
             <a:endParaRPr lang="de-DE"/>
           </a:p>
@@ -1483,7 +1483,7 @@
               <a:pPr>
                 <a:defRPr/>
               </a:pPr>
-              <a:t>24.09.2012</a:t>
+              <a:t>25.09.2012</a:t>
             </a:fld>
             <a:endParaRPr lang="de-DE"/>
           </a:p>
@@ -1632,7 +1632,7 @@
               <a:pPr>
                 <a:defRPr/>
               </a:pPr>
-              <a:t>24.09.2012</a:t>
+              <a:t>25.09.2012</a:t>
             </a:fld>
             <a:endParaRPr lang="de-DE"/>
           </a:p>
@@ -1781,7 +1781,7 @@
               <a:pPr>
                 <a:defRPr/>
               </a:pPr>
-              <a:t>24.09.2012</a:t>
+              <a:t>25.09.2012</a:t>
             </a:fld>
             <a:endParaRPr lang="de-DE"/>
           </a:p>
@@ -1930,7 +1930,7 @@
               <a:pPr>
                 <a:defRPr/>
               </a:pPr>
-              <a:t>24.09.2012</a:t>
+              <a:t>25.09.2012</a:t>
             </a:fld>
             <a:endParaRPr lang="de-DE"/>
           </a:p>
@@ -2079,7 +2079,7 @@
               <a:pPr>
                 <a:defRPr/>
               </a:pPr>
-              <a:t>24.09.2012</a:t>
+              <a:t>25.09.2012</a:t>
             </a:fld>
             <a:endParaRPr lang="de-DE"/>
           </a:p>
@@ -2228,7 +2228,7 @@
               <a:pPr>
                 <a:defRPr/>
               </a:pPr>
-              <a:t>24.09.2012</a:t>
+              <a:t>25.09.2012</a:t>
             </a:fld>
             <a:endParaRPr lang="de-DE"/>
           </a:p>
@@ -2377,7 +2377,7 @@
               <a:pPr>
                 <a:defRPr/>
               </a:pPr>
-              <a:t>24.09.2012</a:t>
+              <a:t>25.09.2012</a:t>
             </a:fld>
             <a:endParaRPr lang="de-DE"/>
           </a:p>
@@ -2526,7 +2526,7 @@
               <a:pPr>
                 <a:defRPr/>
               </a:pPr>
-              <a:t>24.09.2012</a:t>
+              <a:t>25.09.2012</a:t>
             </a:fld>
             <a:endParaRPr lang="de-DE"/>
           </a:p>
@@ -2675,7 +2675,7 @@
               <a:pPr>
                 <a:defRPr/>
               </a:pPr>
-              <a:t>24.09.2012</a:t>
+              <a:t>25.09.2012</a:t>
             </a:fld>
             <a:endParaRPr lang="de-DE"/>
           </a:p>
@@ -3240,7 +3240,7 @@
                 <a:tabLst/>
                 <a:defRPr/>
               </a:pPr>
-              <a:t>24.09.2012</a:t>
+              <a:t>25.09.2012</a:t>
             </a:fld>
             <a:r>
               <a:rPr kumimoji="0" lang="de-DE" sz="1000" b="0" i="0" u="none" strike="noStrike" kern="1200" cap="none" spc="0" normalizeH="0" baseline="0" noProof="0" dirty="0" smtClean="0">
@@ -5510,7 +5510,7 @@
                 <a:tabLst/>
                 <a:defRPr/>
               </a:pPr>
-              <a:t>24.09.2012</a:t>
+              <a:t>25.09.2012</a:t>
             </a:fld>
             <a:r>
               <a:rPr kumimoji="0" lang="de-DE" sz="1000" b="0" i="0" u="none" strike="noStrike" kern="1200" cap="none" spc="0" normalizeH="0" baseline="0" noProof="0" dirty="0" smtClean="0">
@@ -14330,284 +14330,66 @@
           </a:p>
         </p:txBody>
       </p:sp>
-      <p:sp>
-        <p:nvSpPr>
-          <p:cNvPr id="10" name="Inhaltsplatzhalter 3"/>
-          <p:cNvSpPr txBox="1">
-            <a:spLocks/>
-          </p:cNvSpPr>
-          <p:nvPr/>
-        </p:nvSpPr>
-        <p:spPr bwMode="auto">
-          <a:xfrm>
-            <a:off x="251520" y="2564904"/>
-            <a:ext cx="8640763" cy="1296144"/>
+      <p:cxnSp>
+        <p:nvCxnSpPr>
+          <p:cNvPr id="5" name="Gerade Verbindung mit Pfeil 4"/>
+          <p:cNvCxnSpPr/>
+          <p:nvPr/>
+        </p:nvCxnSpPr>
+        <p:spPr>
+          <a:xfrm>
+            <a:off x="6372200" y="3212976"/>
+            <a:ext cx="288032" cy="864096"/>
+          </a:xfrm>
+          <a:prstGeom prst="straightConnector1">
+            <a:avLst/>
+          </a:prstGeom>
+          <a:ln w="19050">
+            <a:tailEnd type="arrow"/>
+          </a:ln>
+        </p:spPr>
+        <p:style>
+          <a:lnRef idx="1">
+            <a:schemeClr val="dk1"/>
+          </a:lnRef>
+          <a:fillRef idx="0">
+            <a:schemeClr val="dk1"/>
+          </a:fillRef>
+          <a:effectRef idx="0">
+            <a:schemeClr val="dk1"/>
+          </a:effectRef>
+          <a:fontRef idx="minor">
+            <a:schemeClr val="tx1"/>
+          </a:fontRef>
+        </p:style>
+      </p:cxnSp>
+      <p:sp>
+        <p:nvSpPr>
+          <p:cNvPr id="6" name="Textfeld 5"/>
+          <p:cNvSpPr txBox="1"/>
+          <p:nvPr/>
+        </p:nvSpPr>
+        <p:spPr>
+          <a:xfrm>
+            <a:off x="6313778" y="4107160"/>
+            <a:ext cx="922047" cy="461665"/>
           </a:xfrm>
           <a:prstGeom prst="rect">
             <a:avLst/>
           </a:prstGeom>
           <a:noFill/>
-          <a:ln>
-            <a:noFill/>
-          </a:ln>
-          <a:extLst>
-            <a:ext uri="{909E8E84-426E-40DD-AFC4-6F175D3DCCD1}">
-              <a14:hiddenFill xmlns:a14="http://schemas.microsoft.com/office/drawing/2010/main">
-                <a:solidFill>
-                  <a:srgbClr val="FFFFFF"/>
-                </a:solidFill>
-              </a14:hiddenFill>
-            </a:ext>
-            <a:ext uri="{91240B29-F687-4F45-9708-019B960494DF}">
-              <a14:hiddenLine xmlns:a14="http://schemas.microsoft.com/office/drawing/2010/main" w="9525">
-                <a:solidFill>
-                  <a:srgbClr val="000000"/>
-                </a:solidFill>
-                <a:miter lim="800000"/>
-                <a:headEnd/>
-                <a:tailEnd/>
-              </a14:hiddenLine>
-            </a:ext>
-          </a:extLst>
-        </p:spPr>
-        <p:txBody>
-          <a:bodyPr vert="horz" wrap="square" lIns="91440" tIns="45720" rIns="91440" bIns="45720" numCol="1" anchor="t" anchorCtr="0" compatLnSpc="1">
-            <a:prstTxWarp prst="textNoShape">
-              <a:avLst/>
-            </a:prstTxWarp>
+        </p:spPr>
+        <p:txBody>
+          <a:bodyPr wrap="none" rtlCol="0">
+            <a:spAutoFit/>
           </a:bodyPr>
-          <a:lstStyle>
-            <a:lvl1pPr marL="179388" indent="-179388" algn="l" rtl="0" eaLnBrk="0" fontAlgn="base" hangingPunct="0">
-              <a:spcBef>
-                <a:spcPct val="20000"/>
-              </a:spcBef>
-              <a:spcAft>
-                <a:spcPct val="0"/>
-              </a:spcAft>
-              <a:buFont typeface="Wingdings" charset="2"/>
-              <a:buChar char="§"/>
-              <a:defRPr sz="2000">
-                <a:solidFill>
-                  <a:schemeClr val="tx1"/>
-                </a:solidFill>
-                <a:latin typeface="+mn-lt"/>
-                <a:ea typeface="ヒラギノ角ゴ Pro W3" pitchFamily="-112" charset="-128"/>
-                <a:cs typeface="ヒラギノ角ゴ Pro W3" pitchFamily="-112" charset="-128"/>
-              </a:defRPr>
-            </a:lvl1pPr>
-            <a:lvl2pPr marL="349250" indent="-168275" algn="l" rtl="0" eaLnBrk="0" fontAlgn="base" hangingPunct="0">
-              <a:spcBef>
-                <a:spcPct val="20000"/>
-              </a:spcBef>
-              <a:spcAft>
-                <a:spcPct val="0"/>
-              </a:spcAft>
-              <a:buFont typeface="Wingdings" charset="2"/>
-              <a:buChar char="§"/>
-              <a:defRPr sz="2800">
-                <a:solidFill>
-                  <a:schemeClr val="tx1"/>
-                </a:solidFill>
-                <a:latin typeface="+mn-lt"/>
-                <a:ea typeface="ヒラギノ角ゴ Pro W3" pitchFamily="-112" charset="-128"/>
-              </a:defRPr>
-            </a:lvl2pPr>
-            <a:lvl3pPr marL="538163" indent="-187325" algn="l" rtl="0" eaLnBrk="0" fontAlgn="base" hangingPunct="0">
-              <a:spcBef>
-                <a:spcPct val="20000"/>
-              </a:spcBef>
-              <a:spcAft>
-                <a:spcPct val="0"/>
-              </a:spcAft>
-              <a:buFont typeface="Wingdings" charset="2"/>
-              <a:buChar char="§"/>
-              <a:defRPr sz="2400">
-                <a:solidFill>
-                  <a:schemeClr val="tx1"/>
-                </a:solidFill>
-                <a:latin typeface="+mn-lt"/>
-                <a:ea typeface="ヒラギノ角ゴ Pro W3" pitchFamily="-112" charset="-128"/>
-              </a:defRPr>
-            </a:lvl3pPr>
-            <a:lvl4pPr marL="717550" indent="-173038" algn="l" rtl="0" eaLnBrk="0" fontAlgn="base" hangingPunct="0">
-              <a:spcBef>
-                <a:spcPct val="20000"/>
-              </a:spcBef>
-              <a:spcAft>
-                <a:spcPct val="0"/>
-              </a:spcAft>
-              <a:buFont typeface="Wingdings" charset="2"/>
-              <a:buChar char="§"/>
-              <a:defRPr sz="1600">
-                <a:solidFill>
-                  <a:schemeClr val="tx1"/>
-                </a:solidFill>
-                <a:latin typeface="+mn-lt"/>
-                <a:ea typeface="ヒラギノ角ゴ Pro W3" pitchFamily="-112" charset="-128"/>
-              </a:defRPr>
-            </a:lvl4pPr>
-            <a:lvl5pPr marL="908050" indent="-188913" algn="l" rtl="0" eaLnBrk="0" fontAlgn="base" hangingPunct="0">
-              <a:spcBef>
-                <a:spcPct val="20000"/>
-              </a:spcBef>
-              <a:spcAft>
-                <a:spcPct val="0"/>
-              </a:spcAft>
-              <a:buFont typeface="Wingdings" charset="2"/>
-              <a:buChar char="§"/>
-              <a:defRPr sz="1600">
-                <a:solidFill>
-                  <a:schemeClr val="tx1"/>
-                </a:solidFill>
-                <a:latin typeface="+mn-lt"/>
-                <a:ea typeface="ヒラギノ角ゴ Pro W3" pitchFamily="-112" charset="-128"/>
-              </a:defRPr>
-            </a:lvl5pPr>
-            <a:lvl6pPr marL="1365250" indent="-188913" algn="l" rtl="0" fontAlgn="base">
-              <a:spcBef>
-                <a:spcPct val="20000"/>
-              </a:spcBef>
-              <a:spcAft>
-                <a:spcPct val="0"/>
-              </a:spcAft>
-              <a:buFont typeface="Wingdings" pitchFamily="2" charset="2"/>
-              <a:buChar char="§"/>
-              <a:defRPr sz="1600">
-                <a:solidFill>
-                  <a:schemeClr val="tx1"/>
-                </a:solidFill>
-                <a:latin typeface="+mn-lt"/>
-              </a:defRPr>
-            </a:lvl6pPr>
-            <a:lvl7pPr marL="1822450" indent="-188913" algn="l" rtl="0" fontAlgn="base">
-              <a:spcBef>
-                <a:spcPct val="20000"/>
-              </a:spcBef>
-              <a:spcAft>
-                <a:spcPct val="0"/>
-              </a:spcAft>
-              <a:buFont typeface="Wingdings" pitchFamily="2" charset="2"/>
-              <a:buChar char="§"/>
-              <a:defRPr sz="1600">
-                <a:solidFill>
-                  <a:schemeClr val="tx1"/>
-                </a:solidFill>
-                <a:latin typeface="+mn-lt"/>
-              </a:defRPr>
-            </a:lvl7pPr>
-            <a:lvl8pPr marL="2279650" indent="-188913" algn="l" rtl="0" fontAlgn="base">
-              <a:spcBef>
-                <a:spcPct val="20000"/>
-              </a:spcBef>
-              <a:spcAft>
-                <a:spcPct val="0"/>
-              </a:spcAft>
-              <a:buFont typeface="Wingdings" pitchFamily="2" charset="2"/>
-              <a:buChar char="§"/>
-              <a:defRPr sz="1600">
-                <a:solidFill>
-                  <a:schemeClr val="tx1"/>
-                </a:solidFill>
-                <a:latin typeface="+mn-lt"/>
-              </a:defRPr>
-            </a:lvl8pPr>
-            <a:lvl9pPr marL="2736850" indent="-188913" algn="l" rtl="0" fontAlgn="base">
-              <a:spcBef>
-                <a:spcPct val="20000"/>
-              </a:spcBef>
-              <a:spcAft>
-                <a:spcPct val="0"/>
-              </a:spcAft>
-              <a:buFont typeface="Wingdings" pitchFamily="2" charset="2"/>
-              <a:buChar char="§"/>
-              <a:defRPr sz="1600">
-                <a:solidFill>
-                  <a:schemeClr val="tx1"/>
-                </a:solidFill>
-                <a:latin typeface="+mn-lt"/>
-              </a:defRPr>
-            </a:lvl9pPr>
-          </a:lstStyle>
-          <a:p>
-            <a:pPr marL="0" indent="0" algn="ctr">
-              <a:buFont typeface="Wingdings" charset="2"/>
-              <a:buNone/>
-            </a:pPr>
-            <a:r>
-              <a:rPr lang="de-DE" sz="2800" dirty="0" smtClean="0">
-                <a:solidFill>
-                  <a:schemeClr val="bg1">
-                    <a:lumMod val="65000"/>
-                  </a:schemeClr>
-                </a:solidFill>
-              </a:rPr>
-              <a:t>Design </a:t>
-            </a:r>
-            <a:r>
-              <a:rPr lang="de-DE" sz="2800" dirty="0" err="1" smtClean="0">
-                <a:solidFill>
-                  <a:schemeClr val="bg1">
-                    <a:lumMod val="65000"/>
-                  </a:schemeClr>
-                </a:solidFill>
-              </a:rPr>
-              <a:t>of</a:t>
-            </a:r>
-            <a:r>
-              <a:rPr lang="de-DE" sz="2800" dirty="0" smtClean="0">
-                <a:solidFill>
-                  <a:schemeClr val="bg1">
-                    <a:lumMod val="65000"/>
-                  </a:schemeClr>
-                </a:solidFill>
-              </a:rPr>
-              <a:t> an </a:t>
-            </a:r>
-            <a:r>
-              <a:rPr lang="de-DE" sz="2800" dirty="0" err="1" smtClean="0">
-                <a:solidFill>
-                  <a:schemeClr val="bg1">
-                    <a:lumMod val="65000"/>
-                  </a:schemeClr>
-                </a:solidFill>
-              </a:rPr>
-              <a:t>Accelerated</a:t>
-            </a:r>
-            <a:r>
-              <a:rPr lang="de-DE" sz="2800" dirty="0" smtClean="0">
-                <a:solidFill>
-                  <a:schemeClr val="bg1">
-                    <a:lumMod val="65000"/>
-                  </a:schemeClr>
-                </a:solidFill>
-              </a:rPr>
-              <a:t> Event-</a:t>
-            </a:r>
-            <a:r>
-              <a:rPr lang="de-DE" sz="2800" dirty="0" err="1" smtClean="0">
-                <a:solidFill>
-                  <a:schemeClr val="bg1">
-                    <a:lumMod val="65000"/>
-                  </a:schemeClr>
-                </a:solidFill>
-              </a:rPr>
-              <a:t>based</a:t>
-            </a:r>
-            <a:r>
-              <a:rPr lang="de-DE" sz="2800" dirty="0" smtClean="0">
-                <a:solidFill>
-                  <a:schemeClr val="bg1">
-                    <a:lumMod val="65000"/>
-                  </a:schemeClr>
-                </a:solidFill>
-              </a:rPr>
-              <a:t> </a:t>
-            </a:r>
-            <a:r>
-              <a:rPr lang="de-DE" sz="2800" dirty="0" smtClean="0"/>
-              <a:t>Server</a:t>
-            </a:r>
-            <a:endParaRPr lang="de-DE" sz="2800" dirty="0"/>
+          <a:lstStyle/>
+          <a:p>
+            <a:r>
+              <a:rPr lang="de-DE" sz="2400" dirty="0" err="1" smtClean="0"/>
+              <a:t>nginx</a:t>
+            </a:r>
+            <a:endParaRPr lang="de-DE" sz="2400" dirty="0"/>
           </a:p>
         </p:txBody>
       </p:sp>
@@ -14793,7 +14575,7 @@
                             </p:stCondLst>
                             <p:childTnLst>
                               <p:par>
-                                <p:cTn id="17" presetID="1" presetClass="exit" presetSubtype="0" fill="hold" grpId="1" nodeType="clickEffect">
+                                <p:cTn id="17" presetID="22" presetClass="entr" presetSubtype="1" fill="hold" nodeType="clickEffect">
                                   <p:stCondLst>
                                     <p:cond delay="0"/>
                                   </p:stCondLst>
@@ -14806,34 +14588,7 @@
                                           </p:stCondLst>
                                         </p:cTn>
                                         <p:tgtEl>
-                                          <p:spTgt spid="9"/>
-                                        </p:tgtEl>
-                                        <p:attrNameLst>
-                                          <p:attrName>style.visibility</p:attrName>
-                                        </p:attrNameLst>
-                                      </p:cBhvr>
-                                      <p:to>
-                                        <p:strVal val="hidden"/>
-                                      </p:to>
-                                    </p:set>
-                                  </p:childTnLst>
-                                </p:cTn>
-                              </p:par>
-                              <p:par>
-                                <p:cTn id="19" presetID="1" presetClass="entr" presetSubtype="0" fill="hold" grpId="0" nodeType="withEffect">
-                                  <p:stCondLst>
-                                    <p:cond delay="0"/>
-                                  </p:stCondLst>
-                                  <p:childTnLst>
-                                    <p:set>
-                                      <p:cBhvr>
-                                        <p:cTn id="20" dur="1" fill="hold">
-                                          <p:stCondLst>
-                                            <p:cond delay="0"/>
-                                          </p:stCondLst>
-                                        </p:cTn>
-                                        <p:tgtEl>
-                                          <p:spTgt spid="10"/>
+                                          <p:spTgt spid="5"/>
                                         </p:tgtEl>
                                         <p:attrNameLst>
                                           <p:attrName>style.visibility</p:attrName>
@@ -14843,6 +14598,49 @@
                                         <p:strVal val="visible"/>
                                       </p:to>
                                     </p:set>
+                                    <p:animEffect transition="in" filter="wipe(up)">
+                                      <p:cBhvr>
+                                        <p:cTn id="19" dur="250"/>
+                                        <p:tgtEl>
+                                          <p:spTgt spid="5"/>
+                                        </p:tgtEl>
+                                      </p:cBhvr>
+                                    </p:animEffect>
+                                  </p:childTnLst>
+                                </p:cTn>
+                              </p:par>
+                              <p:par>
+                                <p:cTn id="20" presetID="22" presetClass="entr" presetSubtype="1" fill="hold" grpId="0" nodeType="withEffect">
+                                  <p:stCondLst>
+                                    <p:cond delay="250"/>
+                                  </p:stCondLst>
+                                  <p:childTnLst>
+                                    <p:set>
+                                      <p:cBhvr>
+                                        <p:cTn id="21" dur="1" fill="hold">
+                                          <p:stCondLst>
+                                            <p:cond delay="0"/>
+                                          </p:stCondLst>
+                                        </p:cTn>
+                                        <p:tgtEl>
+                                          <p:spTgt spid="6"/>
+                                        </p:tgtEl>
+                                        <p:attrNameLst>
+                                          <p:attrName>style.visibility</p:attrName>
+                                        </p:attrNameLst>
+                                      </p:cBhvr>
+                                      <p:to>
+                                        <p:strVal val="visible"/>
+                                      </p:to>
+                                    </p:set>
+                                    <p:animEffect transition="in" filter="wipe(up)">
+                                      <p:cBhvr>
+                                        <p:cTn id="22" dur="250"/>
+                                        <p:tgtEl>
+                                          <p:spTgt spid="6"/>
+                                        </p:tgtEl>
+                                      </p:cBhvr>
+                                    </p:animEffect>
                                   </p:childTnLst>
                                 </p:cTn>
                               </p:par>
@@ -14878,8 +14676,7 @@
       <p:bldP spid="8" grpId="0"/>
       <p:bldP spid="8" grpId="1"/>
       <p:bldP spid="9" grpId="0"/>
-      <p:bldP spid="9" grpId="1"/>
-      <p:bldP spid="10" grpId="0"/>
+      <p:bldP spid="6" grpId="0"/>
     </p:bldLst>
   </p:timing>
 </p:sld>
